--- a/learnability/learnability_figures.pptx
+++ b/learnability/learnability_figures.pptx
@@ -7,6 +7,8 @@
   <p:sldIdLst>
     <p:sldId id="256" r:id="rId2"/>
     <p:sldId id="257" r:id="rId3"/>
+    <p:sldId id="258" r:id="rId4"/>
+    <p:sldId id="259" r:id="rId5"/>
   </p:sldIdLst>
   <p:sldSz cx="9144000" cy="6858000" type="screen4x3"/>
   <p:notesSz cx="6858000" cy="9144000"/>
@@ -289,7 +291,7 @@
           <a:p>
             <a:fld id="{359316F7-CC01-3F46-8B70-F9DDAD452D3A}" type="datetimeFigureOut">
               <a:rPr lang="en-US" smtClean="0"/>
-              <a:t>2/19/15</a:t>
+              <a:t>2/28/15</a:t>
             </a:fld>
             <a:endParaRPr lang="en-US"/>
           </a:p>
@@ -459,7 +461,7 @@
           <a:p>
             <a:fld id="{359316F7-CC01-3F46-8B70-F9DDAD452D3A}" type="datetimeFigureOut">
               <a:rPr lang="en-US" smtClean="0"/>
-              <a:t>2/19/15</a:t>
+              <a:t>2/28/15</a:t>
             </a:fld>
             <a:endParaRPr lang="en-US"/>
           </a:p>
@@ -639,7 +641,7 @@
           <a:p>
             <a:fld id="{359316F7-CC01-3F46-8B70-F9DDAD452D3A}" type="datetimeFigureOut">
               <a:rPr lang="en-US" smtClean="0"/>
-              <a:t>2/19/15</a:t>
+              <a:t>2/28/15</a:t>
             </a:fld>
             <a:endParaRPr lang="en-US"/>
           </a:p>
@@ -809,7 +811,7 @@
           <a:p>
             <a:fld id="{359316F7-CC01-3F46-8B70-F9DDAD452D3A}" type="datetimeFigureOut">
               <a:rPr lang="en-US" smtClean="0"/>
-              <a:t>2/19/15</a:t>
+              <a:t>2/28/15</a:t>
             </a:fld>
             <a:endParaRPr lang="en-US"/>
           </a:p>
@@ -1055,7 +1057,7 @@
           <a:p>
             <a:fld id="{359316F7-CC01-3F46-8B70-F9DDAD452D3A}" type="datetimeFigureOut">
               <a:rPr lang="en-US" smtClean="0"/>
-              <a:t>2/19/15</a:t>
+              <a:t>2/28/15</a:t>
             </a:fld>
             <a:endParaRPr lang="en-US"/>
           </a:p>
@@ -1343,7 +1345,7 @@
           <a:p>
             <a:fld id="{359316F7-CC01-3F46-8B70-F9DDAD452D3A}" type="datetimeFigureOut">
               <a:rPr lang="en-US" smtClean="0"/>
-              <a:t>2/19/15</a:t>
+              <a:t>2/28/15</a:t>
             </a:fld>
             <a:endParaRPr lang="en-US"/>
           </a:p>
@@ -1765,7 +1767,7 @@
           <a:p>
             <a:fld id="{359316F7-CC01-3F46-8B70-F9DDAD452D3A}" type="datetimeFigureOut">
               <a:rPr lang="en-US" smtClean="0"/>
-              <a:t>2/19/15</a:t>
+              <a:t>2/28/15</a:t>
             </a:fld>
             <a:endParaRPr lang="en-US"/>
           </a:p>
@@ -1883,7 +1885,7 @@
           <a:p>
             <a:fld id="{359316F7-CC01-3F46-8B70-F9DDAD452D3A}" type="datetimeFigureOut">
               <a:rPr lang="en-US" smtClean="0"/>
-              <a:t>2/19/15</a:t>
+              <a:t>2/28/15</a:t>
             </a:fld>
             <a:endParaRPr lang="en-US"/>
           </a:p>
@@ -1978,7 +1980,7 @@
           <a:p>
             <a:fld id="{359316F7-CC01-3F46-8B70-F9DDAD452D3A}" type="datetimeFigureOut">
               <a:rPr lang="en-US" smtClean="0"/>
-              <a:t>2/19/15</a:t>
+              <a:t>2/28/15</a:t>
             </a:fld>
             <a:endParaRPr lang="en-US"/>
           </a:p>
@@ -2255,7 +2257,7 @@
           <a:p>
             <a:fld id="{359316F7-CC01-3F46-8B70-F9DDAD452D3A}" type="datetimeFigureOut">
               <a:rPr lang="en-US" smtClean="0"/>
-              <a:t>2/19/15</a:t>
+              <a:t>2/28/15</a:t>
             </a:fld>
             <a:endParaRPr lang="en-US"/>
           </a:p>
@@ -2508,7 +2510,7 @@
           <a:p>
             <a:fld id="{359316F7-CC01-3F46-8B70-F9DDAD452D3A}" type="datetimeFigureOut">
               <a:rPr lang="en-US" smtClean="0"/>
-              <a:t>2/19/15</a:t>
+              <a:t>2/28/15</a:t>
             </a:fld>
             <a:endParaRPr lang="en-US"/>
           </a:p>
@@ -2721,7 +2723,7 @@
           <a:p>
             <a:fld id="{359316F7-CC01-3F46-8B70-F9DDAD452D3A}" type="datetimeFigureOut">
               <a:rPr lang="en-US" smtClean="0"/>
-              <a:t>2/19/15</a:t>
+              <a:t>2/28/15</a:t>
             </a:fld>
             <a:endParaRPr lang="en-US"/>
           </a:p>
@@ -5835,6 +5837,5840 @@
 </p:sld>
 </file>
 
+<file path=ppt/slides/slide3.xml><?xml version="1.0" encoding="utf-8"?>
+<p:sld xmlns:a="http://schemas.openxmlformats.org/drawingml/2006/main" xmlns:r="http://schemas.openxmlformats.org/officeDocument/2006/relationships" xmlns:p="http://schemas.openxmlformats.org/presentationml/2006/main">
+  <p:cSld>
+    <p:spTree>
+      <p:nvGrpSpPr>
+        <p:cNvPr id="1" name=""/>
+        <p:cNvGrpSpPr/>
+        <p:nvPr/>
+      </p:nvGrpSpPr>
+      <p:grpSpPr>
+        <a:xfrm>
+          <a:off x="0" y="0"/>
+          <a:ext cx="0" cy="0"/>
+          <a:chOff x="0" y="0"/>
+          <a:chExt cx="0" cy="0"/>
+        </a:xfrm>
+      </p:grpSpPr>
+      <p:grpSp>
+        <p:nvGrpSpPr>
+          <p:cNvPr id="77" name="Group 76"/>
+          <p:cNvGrpSpPr/>
+          <p:nvPr/>
+        </p:nvGrpSpPr>
+        <p:grpSpPr>
+          <a:xfrm>
+            <a:off x="858312" y="433000"/>
+            <a:ext cx="4961443" cy="2096936"/>
+            <a:chOff x="858312" y="433000"/>
+            <a:chExt cx="4961443" cy="2096936"/>
+          </a:xfrm>
+        </p:grpSpPr>
+        <p:grpSp>
+          <p:nvGrpSpPr>
+            <p:cNvPr id="74" name="Group 73"/>
+            <p:cNvGrpSpPr/>
+            <p:nvPr/>
+          </p:nvGrpSpPr>
+          <p:grpSpPr>
+            <a:xfrm>
+              <a:off x="1106178" y="433000"/>
+              <a:ext cx="4713577" cy="2092943"/>
+              <a:chOff x="1106178" y="433000"/>
+              <a:chExt cx="4713577" cy="2092943"/>
+            </a:xfrm>
+          </p:grpSpPr>
+          <p:grpSp>
+            <p:nvGrpSpPr>
+              <p:cNvPr id="67" name="Group 66"/>
+              <p:cNvGrpSpPr/>
+              <p:nvPr/>
+            </p:nvGrpSpPr>
+            <p:grpSpPr>
+              <a:xfrm>
+                <a:off x="1386840" y="729049"/>
+                <a:ext cx="3363516" cy="723822"/>
+                <a:chOff x="1386840" y="729049"/>
+                <a:chExt cx="3363516" cy="723822"/>
+              </a:xfrm>
+            </p:grpSpPr>
+            <p:cxnSp>
+              <p:nvCxnSpPr>
+                <p:cNvPr id="5" name="Straight Arrow Connector 4"/>
+                <p:cNvCxnSpPr/>
+                <p:nvPr/>
+              </p:nvCxnSpPr>
+              <p:spPr>
+                <a:xfrm>
+                  <a:off x="1386840" y="1092200"/>
+                  <a:ext cx="3363516" cy="0"/>
+                </a:xfrm>
+                <a:prstGeom prst="straightConnector1">
+                  <a:avLst/>
+                </a:prstGeom>
+                <a:ln w="12700" cmpd="sng">
+                  <a:solidFill>
+                    <a:schemeClr val="tx1"/>
+                  </a:solidFill>
+                  <a:headEnd type="triangle"/>
+                  <a:tailEnd type="triangle"/>
+                </a:ln>
+                <a:effectLst/>
+              </p:spPr>
+              <p:style>
+                <a:lnRef idx="2">
+                  <a:schemeClr val="accent1"/>
+                </a:lnRef>
+                <a:fillRef idx="0">
+                  <a:schemeClr val="accent1"/>
+                </a:fillRef>
+                <a:effectRef idx="1">
+                  <a:schemeClr val="accent1"/>
+                </a:effectRef>
+                <a:fontRef idx="minor">
+                  <a:schemeClr val="tx1"/>
+                </a:fontRef>
+              </p:style>
+            </p:cxnSp>
+            <p:sp>
+              <p:nvSpPr>
+                <p:cNvPr id="7" name="Oval 6"/>
+                <p:cNvSpPr>
+                  <a:spLocks noChangeAspect="1"/>
+                </p:cNvSpPr>
+                <p:nvPr/>
+              </p:nvSpPr>
+              <p:spPr>
+                <a:xfrm>
+                  <a:off x="1996790" y="1047461"/>
+                  <a:ext cx="82296" cy="82296"/>
+                </a:xfrm>
+                <a:prstGeom prst="ellipse">
+                  <a:avLst/>
+                </a:prstGeom>
+                <a:solidFill>
+                  <a:srgbClr val="0000FF"/>
+                </a:solidFill>
+                <a:ln>
+                  <a:solidFill>
+                    <a:schemeClr val="tx1"/>
+                  </a:solidFill>
+                </a:ln>
+                <a:effectLst/>
+              </p:spPr>
+              <p:style>
+                <a:lnRef idx="1">
+                  <a:schemeClr val="accent1"/>
+                </a:lnRef>
+                <a:fillRef idx="3">
+                  <a:schemeClr val="accent1"/>
+                </a:fillRef>
+                <a:effectRef idx="2">
+                  <a:schemeClr val="accent1"/>
+                </a:effectRef>
+                <a:fontRef idx="minor">
+                  <a:schemeClr val="lt1"/>
+                </a:fontRef>
+              </p:style>
+              <p:txBody>
+                <a:bodyPr rtlCol="0" anchor="ctr"/>
+                <a:lstStyle/>
+                <a:p>
+                  <a:pPr algn="ctr"/>
+                  <a:endParaRPr lang="en-US"/>
+                </a:p>
+              </p:txBody>
+            </p:sp>
+            <p:sp>
+              <p:nvSpPr>
+                <p:cNvPr id="8" name="Oval 7"/>
+                <p:cNvSpPr>
+                  <a:spLocks noChangeAspect="1"/>
+                </p:cNvSpPr>
+                <p:nvPr/>
+              </p:nvSpPr>
+              <p:spPr>
+                <a:xfrm flipV="1">
+                  <a:off x="1678541" y="1047460"/>
+                  <a:ext cx="82296" cy="82296"/>
+                </a:xfrm>
+                <a:prstGeom prst="ellipse">
+                  <a:avLst/>
+                </a:prstGeom>
+                <a:solidFill>
+                  <a:srgbClr val="FF0000"/>
+                </a:solidFill>
+                <a:ln>
+                  <a:solidFill>
+                    <a:schemeClr val="tx1"/>
+                  </a:solidFill>
+                </a:ln>
+                <a:effectLst/>
+              </p:spPr>
+              <p:style>
+                <a:lnRef idx="1">
+                  <a:schemeClr val="accent1"/>
+                </a:lnRef>
+                <a:fillRef idx="3">
+                  <a:schemeClr val="accent1"/>
+                </a:fillRef>
+                <a:effectRef idx="2">
+                  <a:schemeClr val="accent1"/>
+                </a:effectRef>
+                <a:fontRef idx="minor">
+                  <a:schemeClr val="lt1"/>
+                </a:fontRef>
+              </p:style>
+              <p:txBody>
+                <a:bodyPr rtlCol="0" anchor="ctr"/>
+                <a:lstStyle/>
+                <a:p>
+                  <a:pPr algn="ctr"/>
+                  <a:endParaRPr lang="en-US"/>
+                </a:p>
+              </p:txBody>
+            </p:sp>
+            <p:sp>
+              <p:nvSpPr>
+                <p:cNvPr id="9" name="Oval 8"/>
+                <p:cNvSpPr>
+                  <a:spLocks noChangeAspect="1"/>
+                </p:cNvSpPr>
+                <p:nvPr/>
+              </p:nvSpPr>
+              <p:spPr>
+                <a:xfrm>
+                  <a:off x="2657190" y="1047461"/>
+                  <a:ext cx="82296" cy="82296"/>
+                </a:xfrm>
+                <a:prstGeom prst="ellipse">
+                  <a:avLst/>
+                </a:prstGeom>
+                <a:solidFill>
+                  <a:srgbClr val="0000FF"/>
+                </a:solidFill>
+                <a:ln>
+                  <a:solidFill>
+                    <a:schemeClr val="tx1"/>
+                  </a:solidFill>
+                </a:ln>
+                <a:effectLst/>
+              </p:spPr>
+              <p:style>
+                <a:lnRef idx="1">
+                  <a:schemeClr val="accent1"/>
+                </a:lnRef>
+                <a:fillRef idx="3">
+                  <a:schemeClr val="accent1"/>
+                </a:fillRef>
+                <a:effectRef idx="2">
+                  <a:schemeClr val="accent1"/>
+                </a:effectRef>
+                <a:fontRef idx="minor">
+                  <a:schemeClr val="lt1"/>
+                </a:fontRef>
+              </p:style>
+              <p:txBody>
+                <a:bodyPr rtlCol="0" anchor="ctr"/>
+                <a:lstStyle/>
+                <a:p>
+                  <a:pPr algn="ctr"/>
+                  <a:endParaRPr lang="en-US"/>
+                </a:p>
+              </p:txBody>
+            </p:sp>
+            <p:sp>
+              <p:nvSpPr>
+                <p:cNvPr id="10" name="Oval 9"/>
+                <p:cNvSpPr>
+                  <a:spLocks noChangeAspect="1"/>
+                </p:cNvSpPr>
+                <p:nvPr/>
+              </p:nvSpPr>
+              <p:spPr>
+                <a:xfrm flipV="1">
+                  <a:off x="2338941" y="1047460"/>
+                  <a:ext cx="82296" cy="82296"/>
+                </a:xfrm>
+                <a:prstGeom prst="ellipse">
+                  <a:avLst/>
+                </a:prstGeom>
+                <a:solidFill>
+                  <a:srgbClr val="FF0000"/>
+                </a:solidFill>
+                <a:ln>
+                  <a:solidFill>
+                    <a:schemeClr val="tx1"/>
+                  </a:solidFill>
+                </a:ln>
+                <a:effectLst/>
+              </p:spPr>
+              <p:style>
+                <a:lnRef idx="1">
+                  <a:schemeClr val="accent1"/>
+                </a:lnRef>
+                <a:fillRef idx="3">
+                  <a:schemeClr val="accent1"/>
+                </a:fillRef>
+                <a:effectRef idx="2">
+                  <a:schemeClr val="accent1"/>
+                </a:effectRef>
+                <a:fontRef idx="minor">
+                  <a:schemeClr val="lt1"/>
+                </a:fontRef>
+              </p:style>
+              <p:txBody>
+                <a:bodyPr rtlCol="0" anchor="ctr"/>
+                <a:lstStyle/>
+                <a:p>
+                  <a:pPr algn="ctr"/>
+                  <a:endParaRPr lang="en-US"/>
+                </a:p>
+              </p:txBody>
+            </p:sp>
+            <p:sp>
+              <p:nvSpPr>
+                <p:cNvPr id="11" name="Oval 10"/>
+                <p:cNvSpPr>
+                  <a:spLocks noChangeAspect="1"/>
+                </p:cNvSpPr>
+                <p:nvPr/>
+              </p:nvSpPr>
+              <p:spPr>
+                <a:xfrm>
+                  <a:off x="3281789" y="1047461"/>
+                  <a:ext cx="82296" cy="82296"/>
+                </a:xfrm>
+                <a:prstGeom prst="ellipse">
+                  <a:avLst/>
+                </a:prstGeom>
+                <a:solidFill>
+                  <a:srgbClr val="0000FF"/>
+                </a:solidFill>
+                <a:ln>
+                  <a:solidFill>
+                    <a:schemeClr val="tx1"/>
+                  </a:solidFill>
+                </a:ln>
+                <a:effectLst/>
+              </p:spPr>
+              <p:style>
+                <a:lnRef idx="1">
+                  <a:schemeClr val="accent1"/>
+                </a:lnRef>
+                <a:fillRef idx="3">
+                  <a:schemeClr val="accent1"/>
+                </a:fillRef>
+                <a:effectRef idx="2">
+                  <a:schemeClr val="accent1"/>
+                </a:effectRef>
+                <a:fontRef idx="minor">
+                  <a:schemeClr val="lt1"/>
+                </a:fontRef>
+              </p:style>
+              <p:txBody>
+                <a:bodyPr rtlCol="0" anchor="ctr"/>
+                <a:lstStyle/>
+                <a:p>
+                  <a:pPr algn="ctr"/>
+                  <a:endParaRPr lang="en-US"/>
+                </a:p>
+              </p:txBody>
+            </p:sp>
+            <p:sp>
+              <p:nvSpPr>
+                <p:cNvPr id="12" name="Oval 11"/>
+                <p:cNvSpPr>
+                  <a:spLocks noChangeAspect="1"/>
+                </p:cNvSpPr>
+                <p:nvPr/>
+              </p:nvSpPr>
+              <p:spPr>
+                <a:xfrm flipV="1">
+                  <a:off x="2963540" y="1047460"/>
+                  <a:ext cx="82296" cy="82296"/>
+                </a:xfrm>
+                <a:prstGeom prst="ellipse">
+                  <a:avLst/>
+                </a:prstGeom>
+                <a:solidFill>
+                  <a:srgbClr val="FF0000"/>
+                </a:solidFill>
+                <a:ln>
+                  <a:solidFill>
+                    <a:schemeClr val="tx1"/>
+                  </a:solidFill>
+                </a:ln>
+                <a:effectLst/>
+              </p:spPr>
+              <p:style>
+                <a:lnRef idx="1">
+                  <a:schemeClr val="accent1"/>
+                </a:lnRef>
+                <a:fillRef idx="3">
+                  <a:schemeClr val="accent1"/>
+                </a:fillRef>
+                <a:effectRef idx="2">
+                  <a:schemeClr val="accent1"/>
+                </a:effectRef>
+                <a:fontRef idx="minor">
+                  <a:schemeClr val="lt1"/>
+                </a:fontRef>
+              </p:style>
+              <p:txBody>
+                <a:bodyPr rtlCol="0" anchor="ctr"/>
+                <a:lstStyle/>
+                <a:p>
+                  <a:pPr algn="ctr"/>
+                  <a:endParaRPr lang="en-US"/>
+                </a:p>
+              </p:txBody>
+            </p:sp>
+            <p:sp>
+              <p:nvSpPr>
+                <p:cNvPr id="13" name="Oval 12"/>
+                <p:cNvSpPr>
+                  <a:spLocks noChangeAspect="1"/>
+                </p:cNvSpPr>
+                <p:nvPr/>
+              </p:nvSpPr>
+              <p:spPr>
+                <a:xfrm>
+                  <a:off x="4394865" y="1047461"/>
+                  <a:ext cx="82296" cy="82296"/>
+                </a:xfrm>
+                <a:prstGeom prst="ellipse">
+                  <a:avLst/>
+                </a:prstGeom>
+                <a:solidFill>
+                  <a:srgbClr val="0000FF"/>
+                </a:solidFill>
+                <a:ln>
+                  <a:solidFill>
+                    <a:schemeClr val="tx1"/>
+                  </a:solidFill>
+                </a:ln>
+                <a:effectLst/>
+              </p:spPr>
+              <p:style>
+                <a:lnRef idx="1">
+                  <a:schemeClr val="accent1"/>
+                </a:lnRef>
+                <a:fillRef idx="3">
+                  <a:schemeClr val="accent1"/>
+                </a:fillRef>
+                <a:effectRef idx="2">
+                  <a:schemeClr val="accent1"/>
+                </a:effectRef>
+                <a:fontRef idx="minor">
+                  <a:schemeClr val="lt1"/>
+                </a:fontRef>
+              </p:style>
+              <p:txBody>
+                <a:bodyPr rtlCol="0" anchor="ctr"/>
+                <a:lstStyle/>
+                <a:p>
+                  <a:pPr algn="ctr"/>
+                  <a:endParaRPr lang="en-US"/>
+                </a:p>
+              </p:txBody>
+            </p:sp>
+            <p:sp>
+              <p:nvSpPr>
+                <p:cNvPr id="14" name="Oval 13"/>
+                <p:cNvSpPr>
+                  <a:spLocks noChangeAspect="1"/>
+                </p:cNvSpPr>
+                <p:nvPr/>
+              </p:nvSpPr>
+              <p:spPr>
+                <a:xfrm flipV="1">
+                  <a:off x="4076616" y="1047460"/>
+                  <a:ext cx="82296" cy="82296"/>
+                </a:xfrm>
+                <a:prstGeom prst="ellipse">
+                  <a:avLst/>
+                </a:prstGeom>
+                <a:solidFill>
+                  <a:srgbClr val="FF0000"/>
+                </a:solidFill>
+                <a:ln>
+                  <a:solidFill>
+                    <a:schemeClr val="tx1"/>
+                  </a:solidFill>
+                </a:ln>
+                <a:effectLst/>
+              </p:spPr>
+              <p:style>
+                <a:lnRef idx="1">
+                  <a:schemeClr val="accent1"/>
+                </a:lnRef>
+                <a:fillRef idx="3">
+                  <a:schemeClr val="accent1"/>
+                </a:fillRef>
+                <a:effectRef idx="2">
+                  <a:schemeClr val="accent1"/>
+                </a:effectRef>
+                <a:fontRef idx="minor">
+                  <a:schemeClr val="lt1"/>
+                </a:fontRef>
+              </p:style>
+              <p:txBody>
+                <a:bodyPr rtlCol="0" anchor="ctr"/>
+                <a:lstStyle/>
+                <a:p>
+                  <a:pPr algn="ctr"/>
+                  <a:endParaRPr lang="en-US"/>
+                </a:p>
+              </p:txBody>
+            </p:sp>
+            <p:sp>
+              <p:nvSpPr>
+                <p:cNvPr id="15" name="TextBox 14"/>
+                <p:cNvSpPr txBox="1"/>
+                <p:nvPr/>
+              </p:nvSpPr>
+              <p:spPr>
+                <a:xfrm>
+                  <a:off x="1593851" y="729049"/>
+                  <a:ext cx="234949" cy="261610"/>
+                </a:xfrm>
+                <a:prstGeom prst="rect">
+                  <a:avLst/>
+                </a:prstGeom>
+                <a:noFill/>
+              </p:spPr>
+              <p:txBody>
+                <a:bodyPr wrap="square" rtlCol="0">
+                  <a:spAutoFit/>
+                </a:bodyPr>
+                <a:lstStyle/>
+                <a:p>
+                  <a:pPr>
+                    <a:tabLst>
+                      <a:tab pos="342900" algn="l"/>
+                    </a:tabLst>
+                  </a:pPr>
+                  <a:r>
+                    <a:rPr lang="en-US" sz="1100" dirty="0" smtClean="0">
+                      <a:latin typeface="Helvetica"/>
+                      <a:cs typeface="Helvetica"/>
+                    </a:rPr>
+                    <a:t>1</a:t>
+                  </a:r>
+                  <a:endParaRPr lang="en-US" sz="1100" dirty="0">
+                    <a:latin typeface="Helvetica"/>
+                    <a:cs typeface="Helvetica"/>
+                  </a:endParaRPr>
+                </a:p>
+              </p:txBody>
+            </p:sp>
+            <p:sp>
+              <p:nvSpPr>
+                <p:cNvPr id="16" name="TextBox 15"/>
+                <p:cNvSpPr txBox="1"/>
+                <p:nvPr/>
+              </p:nvSpPr>
+              <p:spPr>
+                <a:xfrm>
+                  <a:off x="1917701" y="729049"/>
+                  <a:ext cx="234949" cy="261610"/>
+                </a:xfrm>
+                <a:prstGeom prst="rect">
+                  <a:avLst/>
+                </a:prstGeom>
+                <a:noFill/>
+              </p:spPr>
+              <p:txBody>
+                <a:bodyPr wrap="square" rtlCol="0">
+                  <a:spAutoFit/>
+                </a:bodyPr>
+                <a:lstStyle/>
+                <a:p>
+                  <a:pPr>
+                    <a:tabLst>
+                      <a:tab pos="342900" algn="l"/>
+                    </a:tabLst>
+                  </a:pPr>
+                  <a:r>
+                    <a:rPr lang="en-US" sz="1100" dirty="0" smtClean="0">
+                      <a:latin typeface="Helvetica"/>
+                      <a:cs typeface="Helvetica"/>
+                    </a:rPr>
+                    <a:t>2</a:t>
+                  </a:r>
+                  <a:endParaRPr lang="en-US" sz="1100" dirty="0">
+                    <a:latin typeface="Helvetica"/>
+                    <a:cs typeface="Helvetica"/>
+                  </a:endParaRPr>
+                </a:p>
+              </p:txBody>
+            </p:sp>
+            <p:sp>
+              <p:nvSpPr>
+                <p:cNvPr id="17" name="TextBox 16"/>
+                <p:cNvSpPr txBox="1"/>
+                <p:nvPr/>
+              </p:nvSpPr>
+              <p:spPr>
+                <a:xfrm>
+                  <a:off x="2251076" y="729049"/>
+                  <a:ext cx="234949" cy="261610"/>
+                </a:xfrm>
+                <a:prstGeom prst="rect">
+                  <a:avLst/>
+                </a:prstGeom>
+                <a:noFill/>
+              </p:spPr>
+              <p:txBody>
+                <a:bodyPr wrap="square" rtlCol="0">
+                  <a:spAutoFit/>
+                </a:bodyPr>
+                <a:lstStyle/>
+                <a:p>
+                  <a:pPr>
+                    <a:tabLst>
+                      <a:tab pos="342900" algn="l"/>
+                    </a:tabLst>
+                  </a:pPr>
+                  <a:r>
+                    <a:rPr lang="en-US" sz="1100" dirty="0" smtClean="0">
+                      <a:latin typeface="Helvetica"/>
+                      <a:cs typeface="Helvetica"/>
+                    </a:rPr>
+                    <a:t>3</a:t>
+                  </a:r>
+                  <a:endParaRPr lang="en-US" sz="1100" dirty="0">
+                    <a:latin typeface="Helvetica"/>
+                    <a:cs typeface="Helvetica"/>
+                  </a:endParaRPr>
+                </a:p>
+              </p:txBody>
+            </p:sp>
+            <p:sp>
+              <p:nvSpPr>
+                <p:cNvPr id="18" name="TextBox 17"/>
+                <p:cNvSpPr txBox="1"/>
+                <p:nvPr/>
+              </p:nvSpPr>
+              <p:spPr>
+                <a:xfrm>
+                  <a:off x="2574926" y="729049"/>
+                  <a:ext cx="234949" cy="261610"/>
+                </a:xfrm>
+                <a:prstGeom prst="rect">
+                  <a:avLst/>
+                </a:prstGeom>
+                <a:noFill/>
+              </p:spPr>
+              <p:txBody>
+                <a:bodyPr wrap="square" rtlCol="0">
+                  <a:spAutoFit/>
+                </a:bodyPr>
+                <a:lstStyle/>
+                <a:p>
+                  <a:pPr>
+                    <a:tabLst>
+                      <a:tab pos="342900" algn="l"/>
+                    </a:tabLst>
+                  </a:pPr>
+                  <a:r>
+                    <a:rPr lang="en-US" sz="1100" dirty="0" smtClean="0">
+                      <a:latin typeface="Helvetica"/>
+                      <a:cs typeface="Helvetica"/>
+                    </a:rPr>
+                    <a:t>4</a:t>
+                  </a:r>
+                  <a:endParaRPr lang="en-US" sz="1100" dirty="0">
+                    <a:latin typeface="Helvetica"/>
+                    <a:cs typeface="Helvetica"/>
+                  </a:endParaRPr>
+                </a:p>
+              </p:txBody>
+            </p:sp>
+            <p:sp>
+              <p:nvSpPr>
+                <p:cNvPr id="19" name="TextBox 18"/>
+                <p:cNvSpPr txBox="1"/>
+                <p:nvPr/>
+              </p:nvSpPr>
+              <p:spPr>
+                <a:xfrm>
+                  <a:off x="2882901" y="729049"/>
+                  <a:ext cx="234949" cy="261610"/>
+                </a:xfrm>
+                <a:prstGeom prst="rect">
+                  <a:avLst/>
+                </a:prstGeom>
+                <a:noFill/>
+              </p:spPr>
+              <p:txBody>
+                <a:bodyPr wrap="square" rtlCol="0">
+                  <a:spAutoFit/>
+                </a:bodyPr>
+                <a:lstStyle/>
+                <a:p>
+                  <a:pPr>
+                    <a:tabLst>
+                      <a:tab pos="342900" algn="l"/>
+                    </a:tabLst>
+                  </a:pPr>
+                  <a:r>
+                    <a:rPr lang="en-US" sz="1100" dirty="0">
+                      <a:latin typeface="Helvetica"/>
+                      <a:cs typeface="Helvetica"/>
+                    </a:rPr>
+                    <a:t>5</a:t>
+                  </a:r>
+                </a:p>
+              </p:txBody>
+            </p:sp>
+            <p:sp>
+              <p:nvSpPr>
+                <p:cNvPr id="20" name="TextBox 19"/>
+                <p:cNvSpPr txBox="1"/>
+                <p:nvPr/>
+              </p:nvSpPr>
+              <p:spPr>
+                <a:xfrm>
+                  <a:off x="3206751" y="729049"/>
+                  <a:ext cx="234949" cy="261610"/>
+                </a:xfrm>
+                <a:prstGeom prst="rect">
+                  <a:avLst/>
+                </a:prstGeom>
+                <a:noFill/>
+              </p:spPr>
+              <p:txBody>
+                <a:bodyPr wrap="square" rtlCol="0">
+                  <a:spAutoFit/>
+                </a:bodyPr>
+                <a:lstStyle/>
+                <a:p>
+                  <a:pPr>
+                    <a:tabLst>
+                      <a:tab pos="342900" algn="l"/>
+                    </a:tabLst>
+                  </a:pPr>
+                  <a:r>
+                    <a:rPr lang="en-US" sz="1100" dirty="0" smtClean="0">
+                      <a:latin typeface="Helvetica"/>
+                      <a:cs typeface="Helvetica"/>
+                    </a:rPr>
+                    <a:t>6</a:t>
+                  </a:r>
+                  <a:endParaRPr lang="en-US" sz="1100" dirty="0">
+                    <a:latin typeface="Helvetica"/>
+                    <a:cs typeface="Helvetica"/>
+                  </a:endParaRPr>
+                </a:p>
+              </p:txBody>
+            </p:sp>
+            <p:sp>
+              <p:nvSpPr>
+                <p:cNvPr id="21" name="TextBox 20"/>
+                <p:cNvSpPr txBox="1"/>
+                <p:nvPr/>
+              </p:nvSpPr>
+              <p:spPr>
+                <a:xfrm>
+                  <a:off x="3881120" y="729049"/>
+                  <a:ext cx="575941" cy="261610"/>
+                </a:xfrm>
+                <a:prstGeom prst="rect">
+                  <a:avLst/>
+                </a:prstGeom>
+                <a:noFill/>
+              </p:spPr>
+              <p:txBody>
+                <a:bodyPr wrap="square" rtlCol="0">
+                  <a:spAutoFit/>
+                </a:bodyPr>
+                <a:lstStyle/>
+                <a:p>
+                  <a:pPr>
+                    <a:tabLst>
+                      <a:tab pos="342900" algn="l"/>
+                    </a:tabLst>
+                  </a:pPr>
+                  <a:r>
+                    <a:rPr lang="en-US" sz="1100" dirty="0" smtClean="0">
+                      <a:latin typeface="Helvetica"/>
+                      <a:cs typeface="Helvetica"/>
+                    </a:rPr>
+                    <a:t>2</a:t>
+                  </a:r>
+                  <a:r>
+                    <a:rPr lang="en-US" sz="1100" i="1" dirty="0" smtClean="0">
+                      <a:latin typeface="Helvetica"/>
+                      <a:cs typeface="Helvetica"/>
+                    </a:rPr>
+                    <a:t>k</a:t>
+                  </a:r>
+                  <a:r>
+                    <a:rPr lang="en-US" sz="1100" dirty="0" smtClean="0">
+                      <a:latin typeface="Helvetica"/>
+                      <a:cs typeface="Helvetica"/>
+                    </a:rPr>
+                    <a:t>-1</a:t>
+                  </a:r>
+                  <a:endParaRPr lang="en-US" sz="1100" dirty="0">
+                    <a:latin typeface="Helvetica"/>
+                    <a:cs typeface="Helvetica"/>
+                  </a:endParaRPr>
+                </a:p>
+              </p:txBody>
+            </p:sp>
+            <p:sp>
+              <p:nvSpPr>
+                <p:cNvPr id="22" name="TextBox 21"/>
+                <p:cNvSpPr txBox="1"/>
+                <p:nvPr/>
+              </p:nvSpPr>
+              <p:spPr>
+                <a:xfrm>
+                  <a:off x="4286172" y="729049"/>
+                  <a:ext cx="443864" cy="261610"/>
+                </a:xfrm>
+                <a:prstGeom prst="rect">
+                  <a:avLst/>
+                </a:prstGeom>
+                <a:noFill/>
+              </p:spPr>
+              <p:txBody>
+                <a:bodyPr wrap="square" rtlCol="0">
+                  <a:spAutoFit/>
+                </a:bodyPr>
+                <a:lstStyle/>
+                <a:p>
+                  <a:pPr>
+                    <a:tabLst>
+                      <a:tab pos="342900" algn="l"/>
+                    </a:tabLst>
+                  </a:pPr>
+                  <a:r>
+                    <a:rPr lang="en-US" sz="1100" dirty="0" smtClean="0">
+                      <a:latin typeface="Helvetica"/>
+                      <a:cs typeface="Helvetica"/>
+                    </a:rPr>
+                    <a:t>2</a:t>
+                  </a:r>
+                  <a:r>
+                    <a:rPr lang="en-US" sz="1100" i="1" dirty="0" smtClean="0">
+                      <a:latin typeface="Helvetica"/>
+                      <a:cs typeface="Helvetica"/>
+                    </a:rPr>
+                    <a:t>k</a:t>
+                  </a:r>
+                  <a:endParaRPr lang="en-US" sz="1100" i="1" dirty="0">
+                    <a:latin typeface="Helvetica"/>
+                    <a:cs typeface="Helvetica"/>
+                  </a:endParaRPr>
+                </a:p>
+              </p:txBody>
+            </p:sp>
+            <p:sp>
+              <p:nvSpPr>
+                <p:cNvPr id="23" name="TextBox 22"/>
+                <p:cNvSpPr txBox="1"/>
+                <p:nvPr/>
+              </p:nvSpPr>
+              <p:spPr>
+                <a:xfrm>
+                  <a:off x="3572511" y="729049"/>
+                  <a:ext cx="349249" cy="261610"/>
+                </a:xfrm>
+                <a:prstGeom prst="rect">
+                  <a:avLst/>
+                </a:prstGeom>
+                <a:noFill/>
+              </p:spPr>
+              <p:txBody>
+                <a:bodyPr wrap="square" rtlCol="0">
+                  <a:spAutoFit/>
+                </a:bodyPr>
+                <a:lstStyle/>
+                <a:p>
+                  <a:pPr>
+                    <a:tabLst>
+                      <a:tab pos="342900" algn="l"/>
+                    </a:tabLst>
+                  </a:pPr>
+                  <a:r>
+                    <a:rPr lang="en-US" sz="1100" dirty="0" smtClean="0">
+                      <a:latin typeface="Helvetica"/>
+                      <a:cs typeface="Helvetica"/>
+                    </a:rPr>
+                    <a:t>...</a:t>
+                  </a:r>
+                  <a:endParaRPr lang="en-US" sz="1100" dirty="0">
+                    <a:latin typeface="Helvetica"/>
+                    <a:cs typeface="Helvetica"/>
+                  </a:endParaRPr>
+                </a:p>
+              </p:txBody>
+            </p:sp>
+            <p:sp>
+              <p:nvSpPr>
+                <p:cNvPr id="26" name="Double Bracket 25"/>
+                <p:cNvSpPr/>
+                <p:nvPr/>
+              </p:nvSpPr>
+              <p:spPr>
+                <a:xfrm>
+                  <a:off x="1577976" y="980440"/>
+                  <a:ext cx="282576" cy="223520"/>
+                </a:xfrm>
+                <a:prstGeom prst="bracketPair">
+                  <a:avLst>
+                    <a:gd name="adj" fmla="val 26610"/>
+                  </a:avLst>
+                </a:prstGeom>
+                <a:ln w="19050" cmpd="sng">
+                  <a:solidFill>
+                    <a:schemeClr val="accent6">
+                      <a:lumMod val="75000"/>
+                    </a:schemeClr>
+                  </a:solidFill>
+                </a:ln>
+                <a:effectLst/>
+              </p:spPr>
+              <p:style>
+                <a:lnRef idx="2">
+                  <a:schemeClr val="accent1"/>
+                </a:lnRef>
+                <a:fillRef idx="0">
+                  <a:schemeClr val="accent1"/>
+                </a:fillRef>
+                <a:effectRef idx="1">
+                  <a:schemeClr val="accent1"/>
+                </a:effectRef>
+                <a:fontRef idx="minor">
+                  <a:schemeClr val="tx1"/>
+                </a:fontRef>
+              </p:style>
+              <p:txBody>
+                <a:bodyPr rtlCol="0" anchor="ctr"/>
+                <a:lstStyle/>
+                <a:p>
+                  <a:pPr algn="ctr"/>
+                  <a:endParaRPr lang="en-US"/>
+                </a:p>
+              </p:txBody>
+            </p:sp>
+            <p:sp>
+              <p:nvSpPr>
+                <p:cNvPr id="27" name="Double Bracket 26"/>
+                <p:cNvSpPr/>
+                <p:nvPr/>
+              </p:nvSpPr>
+              <p:spPr>
+                <a:xfrm>
+                  <a:off x="2251076" y="980440"/>
+                  <a:ext cx="282576" cy="223520"/>
+                </a:xfrm>
+                <a:prstGeom prst="bracketPair">
+                  <a:avLst>
+                    <a:gd name="adj" fmla="val 26610"/>
+                  </a:avLst>
+                </a:prstGeom>
+                <a:ln w="19050" cmpd="sng">
+                  <a:solidFill>
+                    <a:schemeClr val="accent6">
+                      <a:lumMod val="75000"/>
+                    </a:schemeClr>
+                  </a:solidFill>
+                </a:ln>
+                <a:effectLst/>
+              </p:spPr>
+              <p:style>
+                <a:lnRef idx="2">
+                  <a:schemeClr val="accent1"/>
+                </a:lnRef>
+                <a:fillRef idx="0">
+                  <a:schemeClr val="accent1"/>
+                </a:fillRef>
+                <a:effectRef idx="1">
+                  <a:schemeClr val="accent1"/>
+                </a:effectRef>
+                <a:fontRef idx="minor">
+                  <a:schemeClr val="tx1"/>
+                </a:fontRef>
+              </p:style>
+              <p:txBody>
+                <a:bodyPr rtlCol="0" anchor="ctr"/>
+                <a:lstStyle/>
+                <a:p>
+                  <a:pPr algn="ctr"/>
+                  <a:endParaRPr lang="en-US"/>
+                </a:p>
+              </p:txBody>
+            </p:sp>
+            <p:sp>
+              <p:nvSpPr>
+                <p:cNvPr id="28" name="Double Bracket 27"/>
+                <p:cNvSpPr/>
+                <p:nvPr/>
+              </p:nvSpPr>
+              <p:spPr>
+                <a:xfrm>
+                  <a:off x="2876553" y="980440"/>
+                  <a:ext cx="282576" cy="223520"/>
+                </a:xfrm>
+                <a:prstGeom prst="bracketPair">
+                  <a:avLst>
+                    <a:gd name="adj" fmla="val 26610"/>
+                  </a:avLst>
+                </a:prstGeom>
+                <a:ln w="19050" cmpd="sng">
+                  <a:solidFill>
+                    <a:schemeClr val="accent6">
+                      <a:lumMod val="75000"/>
+                    </a:schemeClr>
+                  </a:solidFill>
+                </a:ln>
+                <a:effectLst/>
+              </p:spPr>
+              <p:style>
+                <a:lnRef idx="2">
+                  <a:schemeClr val="accent1"/>
+                </a:lnRef>
+                <a:fillRef idx="0">
+                  <a:schemeClr val="accent1"/>
+                </a:fillRef>
+                <a:effectRef idx="1">
+                  <a:schemeClr val="accent1"/>
+                </a:effectRef>
+                <a:fontRef idx="minor">
+                  <a:schemeClr val="tx1"/>
+                </a:fontRef>
+              </p:style>
+              <p:txBody>
+                <a:bodyPr rtlCol="0" anchor="ctr"/>
+                <a:lstStyle/>
+                <a:p>
+                  <a:pPr algn="ctr"/>
+                  <a:endParaRPr lang="en-US"/>
+                </a:p>
+              </p:txBody>
+            </p:sp>
+            <p:sp>
+              <p:nvSpPr>
+                <p:cNvPr id="29" name="Double Bracket 28"/>
+                <p:cNvSpPr/>
+                <p:nvPr/>
+              </p:nvSpPr>
+              <p:spPr>
+                <a:xfrm>
+                  <a:off x="3948221" y="980440"/>
+                  <a:ext cx="282576" cy="223520"/>
+                </a:xfrm>
+                <a:prstGeom prst="bracketPair">
+                  <a:avLst>
+                    <a:gd name="adj" fmla="val 26610"/>
+                  </a:avLst>
+                </a:prstGeom>
+                <a:ln w="19050" cmpd="sng">
+                  <a:solidFill>
+                    <a:schemeClr val="accent6">
+                      <a:lumMod val="75000"/>
+                    </a:schemeClr>
+                  </a:solidFill>
+                </a:ln>
+                <a:effectLst/>
+              </p:spPr>
+              <p:style>
+                <a:lnRef idx="2">
+                  <a:schemeClr val="accent1"/>
+                </a:lnRef>
+                <a:fillRef idx="0">
+                  <a:schemeClr val="accent1"/>
+                </a:fillRef>
+                <a:effectRef idx="1">
+                  <a:schemeClr val="accent1"/>
+                </a:effectRef>
+                <a:fontRef idx="minor">
+                  <a:schemeClr val="tx1"/>
+                </a:fontRef>
+              </p:style>
+              <p:txBody>
+                <a:bodyPr rtlCol="0" anchor="ctr"/>
+                <a:lstStyle/>
+                <a:p>
+                  <a:pPr algn="ctr"/>
+                  <a:endParaRPr lang="en-US"/>
+                </a:p>
+              </p:txBody>
+            </p:sp>
+            <p:sp>
+              <p:nvSpPr>
+                <p:cNvPr id="30" name="TextBox 29"/>
+                <p:cNvSpPr txBox="1"/>
+                <p:nvPr/>
+              </p:nvSpPr>
+              <p:spPr>
+                <a:xfrm>
+                  <a:off x="1599145" y="1191261"/>
+                  <a:ext cx="234949" cy="261610"/>
+                </a:xfrm>
+                <a:prstGeom prst="rect">
+                  <a:avLst/>
+                </a:prstGeom>
+                <a:noFill/>
+              </p:spPr>
+              <p:txBody>
+                <a:bodyPr wrap="square" rtlCol="0">
+                  <a:spAutoFit/>
+                </a:bodyPr>
+                <a:lstStyle/>
+                <a:p>
+                  <a:pPr>
+                    <a:tabLst>
+                      <a:tab pos="342900" algn="l"/>
+                    </a:tabLst>
+                  </a:pPr>
+                  <a:r>
+                    <a:rPr lang="en-US" sz="1100" dirty="0" smtClean="0">
+                      <a:solidFill>
+                        <a:schemeClr val="accent6">
+                          <a:lumMod val="75000"/>
+                        </a:schemeClr>
+                      </a:solidFill>
+                      <a:latin typeface="Helvetica"/>
+                      <a:cs typeface="Helvetica"/>
+                    </a:rPr>
+                    <a:t>1</a:t>
+                  </a:r>
+                  <a:endParaRPr lang="en-US" sz="1100" dirty="0">
+                    <a:solidFill>
+                      <a:schemeClr val="accent6">
+                        <a:lumMod val="75000"/>
+                      </a:schemeClr>
+                    </a:solidFill>
+                    <a:latin typeface="Helvetica"/>
+                    <a:cs typeface="Helvetica"/>
+                  </a:endParaRPr>
+                </a:p>
+              </p:txBody>
+            </p:sp>
+            <p:sp>
+              <p:nvSpPr>
+                <p:cNvPr id="31" name="TextBox 30"/>
+                <p:cNvSpPr txBox="1"/>
+                <p:nvPr/>
+              </p:nvSpPr>
+              <p:spPr>
+                <a:xfrm>
+                  <a:off x="2251077" y="1191261"/>
+                  <a:ext cx="234949" cy="261610"/>
+                </a:xfrm>
+                <a:prstGeom prst="rect">
+                  <a:avLst/>
+                </a:prstGeom>
+                <a:noFill/>
+              </p:spPr>
+              <p:txBody>
+                <a:bodyPr wrap="square" rtlCol="0">
+                  <a:spAutoFit/>
+                </a:bodyPr>
+                <a:lstStyle/>
+                <a:p>
+                  <a:pPr>
+                    <a:tabLst>
+                      <a:tab pos="342900" algn="l"/>
+                    </a:tabLst>
+                  </a:pPr>
+                  <a:r>
+                    <a:rPr lang="en-US" sz="1100" dirty="0" smtClean="0">
+                      <a:solidFill>
+                        <a:schemeClr val="accent6">
+                          <a:lumMod val="75000"/>
+                        </a:schemeClr>
+                      </a:solidFill>
+                      <a:latin typeface="Helvetica"/>
+                      <a:cs typeface="Helvetica"/>
+                    </a:rPr>
+                    <a:t>2</a:t>
+                  </a:r>
+                  <a:endParaRPr lang="en-US" sz="1100" dirty="0">
+                    <a:solidFill>
+                      <a:schemeClr val="accent6">
+                        <a:lumMod val="75000"/>
+                      </a:schemeClr>
+                    </a:solidFill>
+                    <a:latin typeface="Helvetica"/>
+                    <a:cs typeface="Helvetica"/>
+                  </a:endParaRPr>
+                </a:p>
+              </p:txBody>
+            </p:sp>
+            <p:sp>
+              <p:nvSpPr>
+                <p:cNvPr id="32" name="TextBox 31"/>
+                <p:cNvSpPr txBox="1"/>
+                <p:nvPr/>
+              </p:nvSpPr>
+              <p:spPr>
+                <a:xfrm>
+                  <a:off x="2879939" y="1191261"/>
+                  <a:ext cx="234949" cy="261610"/>
+                </a:xfrm>
+                <a:prstGeom prst="rect">
+                  <a:avLst/>
+                </a:prstGeom>
+                <a:noFill/>
+              </p:spPr>
+              <p:txBody>
+                <a:bodyPr wrap="square" rtlCol="0">
+                  <a:spAutoFit/>
+                </a:bodyPr>
+                <a:lstStyle/>
+                <a:p>
+                  <a:pPr>
+                    <a:tabLst>
+                      <a:tab pos="342900" algn="l"/>
+                    </a:tabLst>
+                  </a:pPr>
+                  <a:r>
+                    <a:rPr lang="en-US" sz="1100" dirty="0" smtClean="0">
+                      <a:solidFill>
+                        <a:schemeClr val="accent6">
+                          <a:lumMod val="75000"/>
+                        </a:schemeClr>
+                      </a:solidFill>
+                      <a:latin typeface="Helvetica"/>
+                      <a:cs typeface="Helvetica"/>
+                    </a:rPr>
+                    <a:t>3</a:t>
+                  </a:r>
+                  <a:endParaRPr lang="en-US" sz="1100" dirty="0">
+                    <a:solidFill>
+                      <a:schemeClr val="accent6">
+                        <a:lumMod val="75000"/>
+                      </a:schemeClr>
+                    </a:solidFill>
+                    <a:latin typeface="Helvetica"/>
+                    <a:cs typeface="Helvetica"/>
+                  </a:endParaRPr>
+                </a:p>
+              </p:txBody>
+            </p:sp>
+            <p:sp>
+              <p:nvSpPr>
+                <p:cNvPr id="33" name="TextBox 32"/>
+                <p:cNvSpPr txBox="1"/>
+                <p:nvPr/>
+              </p:nvSpPr>
+              <p:spPr>
+                <a:xfrm>
+                  <a:off x="3966217" y="1191261"/>
+                  <a:ext cx="234949" cy="261610"/>
+                </a:xfrm>
+                <a:prstGeom prst="rect">
+                  <a:avLst/>
+                </a:prstGeom>
+                <a:noFill/>
+              </p:spPr>
+              <p:txBody>
+                <a:bodyPr wrap="square" rtlCol="0">
+                  <a:spAutoFit/>
+                </a:bodyPr>
+                <a:lstStyle/>
+                <a:p>
+                  <a:pPr>
+                    <a:tabLst>
+                      <a:tab pos="342900" algn="l"/>
+                    </a:tabLst>
+                  </a:pPr>
+                  <a:r>
+                    <a:rPr lang="en-US" sz="1100" i="1" dirty="0" smtClean="0">
+                      <a:solidFill>
+                        <a:schemeClr val="accent6">
+                          <a:lumMod val="75000"/>
+                        </a:schemeClr>
+                      </a:solidFill>
+                      <a:latin typeface="Helvetica"/>
+                      <a:cs typeface="Helvetica"/>
+                    </a:rPr>
+                    <a:t>k</a:t>
+                  </a:r>
+                  <a:endParaRPr lang="en-US" sz="1100" i="1" dirty="0">
+                    <a:solidFill>
+                      <a:schemeClr val="accent6">
+                        <a:lumMod val="75000"/>
+                      </a:schemeClr>
+                    </a:solidFill>
+                    <a:latin typeface="Helvetica"/>
+                    <a:cs typeface="Helvetica"/>
+                  </a:endParaRPr>
+                </a:p>
+              </p:txBody>
+            </p:sp>
+          </p:grpSp>
+          <p:grpSp>
+            <p:nvGrpSpPr>
+              <p:cNvPr id="66" name="Group 65"/>
+              <p:cNvGrpSpPr/>
+              <p:nvPr/>
+            </p:nvGrpSpPr>
+            <p:grpSpPr>
+              <a:xfrm>
+                <a:off x="1386840" y="1802121"/>
+                <a:ext cx="3794760" cy="723822"/>
+                <a:chOff x="1386840" y="1617971"/>
+                <a:chExt cx="3794760" cy="723822"/>
+              </a:xfrm>
+            </p:grpSpPr>
+            <p:cxnSp>
+              <p:nvCxnSpPr>
+                <p:cNvPr id="34" name="Straight Arrow Connector 33"/>
+                <p:cNvCxnSpPr/>
+                <p:nvPr/>
+              </p:nvCxnSpPr>
+              <p:spPr>
+                <a:xfrm>
+                  <a:off x="1386840" y="1981122"/>
+                  <a:ext cx="3699510" cy="0"/>
+                </a:xfrm>
+                <a:prstGeom prst="straightConnector1">
+                  <a:avLst/>
+                </a:prstGeom>
+                <a:ln w="12700" cmpd="sng">
+                  <a:solidFill>
+                    <a:schemeClr val="tx1"/>
+                  </a:solidFill>
+                  <a:headEnd type="triangle"/>
+                  <a:tailEnd type="triangle"/>
+                </a:ln>
+                <a:effectLst/>
+              </p:spPr>
+              <p:style>
+                <a:lnRef idx="2">
+                  <a:schemeClr val="accent1"/>
+                </a:lnRef>
+                <a:fillRef idx="0">
+                  <a:schemeClr val="accent1"/>
+                </a:fillRef>
+                <a:effectRef idx="1">
+                  <a:schemeClr val="accent1"/>
+                </a:effectRef>
+                <a:fontRef idx="minor">
+                  <a:schemeClr val="tx1"/>
+                </a:fontRef>
+              </p:style>
+            </p:cxnSp>
+            <p:sp>
+              <p:nvSpPr>
+                <p:cNvPr id="35" name="Oval 34"/>
+                <p:cNvSpPr>
+                  <a:spLocks noChangeAspect="1"/>
+                </p:cNvSpPr>
+                <p:nvPr/>
+              </p:nvSpPr>
+              <p:spPr>
+                <a:xfrm>
+                  <a:off x="1996790" y="1936383"/>
+                  <a:ext cx="82296" cy="82296"/>
+                </a:xfrm>
+                <a:prstGeom prst="ellipse">
+                  <a:avLst/>
+                </a:prstGeom>
+                <a:solidFill>
+                  <a:srgbClr val="0000FF"/>
+                </a:solidFill>
+                <a:ln>
+                  <a:solidFill>
+                    <a:schemeClr val="tx1"/>
+                  </a:solidFill>
+                </a:ln>
+                <a:effectLst/>
+              </p:spPr>
+              <p:style>
+                <a:lnRef idx="1">
+                  <a:schemeClr val="accent1"/>
+                </a:lnRef>
+                <a:fillRef idx="3">
+                  <a:schemeClr val="accent1"/>
+                </a:fillRef>
+                <a:effectRef idx="2">
+                  <a:schemeClr val="accent1"/>
+                </a:effectRef>
+                <a:fontRef idx="minor">
+                  <a:schemeClr val="lt1"/>
+                </a:fontRef>
+              </p:style>
+              <p:txBody>
+                <a:bodyPr rtlCol="0" anchor="ctr"/>
+                <a:lstStyle/>
+                <a:p>
+                  <a:pPr algn="ctr"/>
+                  <a:endParaRPr lang="en-US"/>
+                </a:p>
+              </p:txBody>
+            </p:sp>
+            <p:sp>
+              <p:nvSpPr>
+                <p:cNvPr id="36" name="Oval 35"/>
+                <p:cNvSpPr>
+                  <a:spLocks noChangeAspect="1"/>
+                </p:cNvSpPr>
+                <p:nvPr/>
+              </p:nvSpPr>
+              <p:spPr>
+                <a:xfrm flipV="1">
+                  <a:off x="1678541" y="1936382"/>
+                  <a:ext cx="82296" cy="82296"/>
+                </a:xfrm>
+                <a:prstGeom prst="ellipse">
+                  <a:avLst/>
+                </a:prstGeom>
+                <a:solidFill>
+                  <a:srgbClr val="FF0000"/>
+                </a:solidFill>
+                <a:ln>
+                  <a:solidFill>
+                    <a:schemeClr val="tx1"/>
+                  </a:solidFill>
+                </a:ln>
+                <a:effectLst/>
+              </p:spPr>
+              <p:style>
+                <a:lnRef idx="1">
+                  <a:schemeClr val="accent1"/>
+                </a:lnRef>
+                <a:fillRef idx="3">
+                  <a:schemeClr val="accent1"/>
+                </a:fillRef>
+                <a:effectRef idx="2">
+                  <a:schemeClr val="accent1"/>
+                </a:effectRef>
+                <a:fontRef idx="minor">
+                  <a:schemeClr val="lt1"/>
+                </a:fontRef>
+              </p:style>
+              <p:txBody>
+                <a:bodyPr rtlCol="0" anchor="ctr"/>
+                <a:lstStyle/>
+                <a:p>
+                  <a:pPr algn="ctr"/>
+                  <a:endParaRPr lang="en-US"/>
+                </a:p>
+              </p:txBody>
+            </p:sp>
+            <p:sp>
+              <p:nvSpPr>
+                <p:cNvPr id="37" name="Oval 36"/>
+                <p:cNvSpPr>
+                  <a:spLocks noChangeAspect="1"/>
+                </p:cNvSpPr>
+                <p:nvPr/>
+              </p:nvSpPr>
+              <p:spPr>
+                <a:xfrm>
+                  <a:off x="2657190" y="1936383"/>
+                  <a:ext cx="82296" cy="82296"/>
+                </a:xfrm>
+                <a:prstGeom prst="ellipse">
+                  <a:avLst/>
+                </a:prstGeom>
+                <a:solidFill>
+                  <a:srgbClr val="0000FF"/>
+                </a:solidFill>
+                <a:ln>
+                  <a:solidFill>
+                    <a:schemeClr val="tx1"/>
+                  </a:solidFill>
+                </a:ln>
+                <a:effectLst/>
+              </p:spPr>
+              <p:style>
+                <a:lnRef idx="1">
+                  <a:schemeClr val="accent1"/>
+                </a:lnRef>
+                <a:fillRef idx="3">
+                  <a:schemeClr val="accent1"/>
+                </a:fillRef>
+                <a:effectRef idx="2">
+                  <a:schemeClr val="accent1"/>
+                </a:effectRef>
+                <a:fontRef idx="minor">
+                  <a:schemeClr val="lt1"/>
+                </a:fontRef>
+              </p:style>
+              <p:txBody>
+                <a:bodyPr rtlCol="0" anchor="ctr"/>
+                <a:lstStyle/>
+                <a:p>
+                  <a:pPr algn="ctr"/>
+                  <a:endParaRPr lang="en-US"/>
+                </a:p>
+              </p:txBody>
+            </p:sp>
+            <p:sp>
+              <p:nvSpPr>
+                <p:cNvPr id="38" name="Oval 37"/>
+                <p:cNvSpPr>
+                  <a:spLocks noChangeAspect="1"/>
+                </p:cNvSpPr>
+                <p:nvPr/>
+              </p:nvSpPr>
+              <p:spPr>
+                <a:xfrm flipV="1">
+                  <a:off x="2338941" y="1936382"/>
+                  <a:ext cx="82296" cy="82296"/>
+                </a:xfrm>
+                <a:prstGeom prst="ellipse">
+                  <a:avLst/>
+                </a:prstGeom>
+                <a:solidFill>
+                  <a:srgbClr val="FF0000"/>
+                </a:solidFill>
+                <a:ln>
+                  <a:solidFill>
+                    <a:schemeClr val="tx1"/>
+                  </a:solidFill>
+                </a:ln>
+                <a:effectLst/>
+              </p:spPr>
+              <p:style>
+                <a:lnRef idx="1">
+                  <a:schemeClr val="accent1"/>
+                </a:lnRef>
+                <a:fillRef idx="3">
+                  <a:schemeClr val="accent1"/>
+                </a:fillRef>
+                <a:effectRef idx="2">
+                  <a:schemeClr val="accent1"/>
+                </a:effectRef>
+                <a:fontRef idx="minor">
+                  <a:schemeClr val="lt1"/>
+                </a:fontRef>
+              </p:style>
+              <p:txBody>
+                <a:bodyPr rtlCol="0" anchor="ctr"/>
+                <a:lstStyle/>
+                <a:p>
+                  <a:pPr algn="ctr"/>
+                  <a:endParaRPr lang="en-US"/>
+                </a:p>
+              </p:txBody>
+            </p:sp>
+            <p:sp>
+              <p:nvSpPr>
+                <p:cNvPr id="39" name="Oval 38"/>
+                <p:cNvSpPr>
+                  <a:spLocks noChangeAspect="1"/>
+                </p:cNvSpPr>
+                <p:nvPr/>
+              </p:nvSpPr>
+              <p:spPr>
+                <a:xfrm>
+                  <a:off x="3281789" y="1936383"/>
+                  <a:ext cx="82296" cy="82296"/>
+                </a:xfrm>
+                <a:prstGeom prst="ellipse">
+                  <a:avLst/>
+                </a:prstGeom>
+                <a:solidFill>
+                  <a:srgbClr val="0000FF"/>
+                </a:solidFill>
+                <a:ln>
+                  <a:solidFill>
+                    <a:schemeClr val="tx1"/>
+                  </a:solidFill>
+                </a:ln>
+                <a:effectLst/>
+              </p:spPr>
+              <p:style>
+                <a:lnRef idx="1">
+                  <a:schemeClr val="accent1"/>
+                </a:lnRef>
+                <a:fillRef idx="3">
+                  <a:schemeClr val="accent1"/>
+                </a:fillRef>
+                <a:effectRef idx="2">
+                  <a:schemeClr val="accent1"/>
+                </a:effectRef>
+                <a:fontRef idx="minor">
+                  <a:schemeClr val="lt1"/>
+                </a:fontRef>
+              </p:style>
+              <p:txBody>
+                <a:bodyPr rtlCol="0" anchor="ctr"/>
+                <a:lstStyle/>
+                <a:p>
+                  <a:pPr algn="ctr"/>
+                  <a:endParaRPr lang="en-US"/>
+                </a:p>
+              </p:txBody>
+            </p:sp>
+            <p:sp>
+              <p:nvSpPr>
+                <p:cNvPr id="40" name="Oval 39"/>
+                <p:cNvSpPr>
+                  <a:spLocks noChangeAspect="1"/>
+                </p:cNvSpPr>
+                <p:nvPr/>
+              </p:nvSpPr>
+              <p:spPr>
+                <a:xfrm flipV="1">
+                  <a:off x="2963540" y="1936382"/>
+                  <a:ext cx="82296" cy="82296"/>
+                </a:xfrm>
+                <a:prstGeom prst="ellipse">
+                  <a:avLst/>
+                </a:prstGeom>
+                <a:solidFill>
+                  <a:srgbClr val="FF0000"/>
+                </a:solidFill>
+                <a:ln>
+                  <a:solidFill>
+                    <a:schemeClr val="tx1"/>
+                  </a:solidFill>
+                </a:ln>
+                <a:effectLst/>
+              </p:spPr>
+              <p:style>
+                <a:lnRef idx="1">
+                  <a:schemeClr val="accent1"/>
+                </a:lnRef>
+                <a:fillRef idx="3">
+                  <a:schemeClr val="accent1"/>
+                </a:fillRef>
+                <a:effectRef idx="2">
+                  <a:schemeClr val="accent1"/>
+                </a:effectRef>
+                <a:fontRef idx="minor">
+                  <a:schemeClr val="lt1"/>
+                </a:fontRef>
+              </p:style>
+              <p:txBody>
+                <a:bodyPr rtlCol="0" anchor="ctr"/>
+                <a:lstStyle/>
+                <a:p>
+                  <a:pPr algn="ctr"/>
+                  <a:endParaRPr lang="en-US"/>
+                </a:p>
+              </p:txBody>
+            </p:sp>
+            <p:sp>
+              <p:nvSpPr>
+                <p:cNvPr id="41" name="Oval 40"/>
+                <p:cNvSpPr>
+                  <a:spLocks noChangeAspect="1"/>
+                </p:cNvSpPr>
+                <p:nvPr/>
+              </p:nvSpPr>
+              <p:spPr>
+                <a:xfrm>
+                  <a:off x="4394865" y="1936383"/>
+                  <a:ext cx="82296" cy="82296"/>
+                </a:xfrm>
+                <a:prstGeom prst="ellipse">
+                  <a:avLst/>
+                </a:prstGeom>
+                <a:solidFill>
+                  <a:srgbClr val="0000FF"/>
+                </a:solidFill>
+                <a:ln>
+                  <a:solidFill>
+                    <a:schemeClr val="tx1"/>
+                  </a:solidFill>
+                </a:ln>
+                <a:effectLst/>
+              </p:spPr>
+              <p:style>
+                <a:lnRef idx="1">
+                  <a:schemeClr val="accent1"/>
+                </a:lnRef>
+                <a:fillRef idx="3">
+                  <a:schemeClr val="accent1"/>
+                </a:fillRef>
+                <a:effectRef idx="2">
+                  <a:schemeClr val="accent1"/>
+                </a:effectRef>
+                <a:fontRef idx="minor">
+                  <a:schemeClr val="lt1"/>
+                </a:fontRef>
+              </p:style>
+              <p:txBody>
+                <a:bodyPr rtlCol="0" anchor="ctr"/>
+                <a:lstStyle/>
+                <a:p>
+                  <a:pPr algn="ctr"/>
+                  <a:endParaRPr lang="en-US"/>
+                </a:p>
+              </p:txBody>
+            </p:sp>
+            <p:sp>
+              <p:nvSpPr>
+                <p:cNvPr id="42" name="Oval 41"/>
+                <p:cNvSpPr>
+                  <a:spLocks noChangeAspect="1"/>
+                </p:cNvSpPr>
+                <p:nvPr/>
+              </p:nvSpPr>
+              <p:spPr>
+                <a:xfrm flipV="1">
+                  <a:off x="4076616" y="1936382"/>
+                  <a:ext cx="82296" cy="82296"/>
+                </a:xfrm>
+                <a:prstGeom prst="ellipse">
+                  <a:avLst/>
+                </a:prstGeom>
+                <a:solidFill>
+                  <a:srgbClr val="FF0000"/>
+                </a:solidFill>
+                <a:ln>
+                  <a:solidFill>
+                    <a:schemeClr val="tx1"/>
+                  </a:solidFill>
+                </a:ln>
+                <a:effectLst/>
+              </p:spPr>
+              <p:style>
+                <a:lnRef idx="1">
+                  <a:schemeClr val="accent1"/>
+                </a:lnRef>
+                <a:fillRef idx="3">
+                  <a:schemeClr val="accent1"/>
+                </a:fillRef>
+                <a:effectRef idx="2">
+                  <a:schemeClr val="accent1"/>
+                </a:effectRef>
+                <a:fontRef idx="minor">
+                  <a:schemeClr val="lt1"/>
+                </a:fontRef>
+              </p:style>
+              <p:txBody>
+                <a:bodyPr rtlCol="0" anchor="ctr"/>
+                <a:lstStyle/>
+                <a:p>
+                  <a:pPr algn="ctr"/>
+                  <a:endParaRPr lang="en-US"/>
+                </a:p>
+              </p:txBody>
+            </p:sp>
+            <p:sp>
+              <p:nvSpPr>
+                <p:cNvPr id="43" name="TextBox 42"/>
+                <p:cNvSpPr txBox="1"/>
+                <p:nvPr/>
+              </p:nvSpPr>
+              <p:spPr>
+                <a:xfrm>
+                  <a:off x="1593851" y="1617971"/>
+                  <a:ext cx="234949" cy="261610"/>
+                </a:xfrm>
+                <a:prstGeom prst="rect">
+                  <a:avLst/>
+                </a:prstGeom>
+                <a:noFill/>
+              </p:spPr>
+              <p:txBody>
+                <a:bodyPr wrap="square" rtlCol="0">
+                  <a:spAutoFit/>
+                </a:bodyPr>
+                <a:lstStyle/>
+                <a:p>
+                  <a:pPr>
+                    <a:tabLst>
+                      <a:tab pos="342900" algn="l"/>
+                    </a:tabLst>
+                  </a:pPr>
+                  <a:r>
+                    <a:rPr lang="en-US" sz="1100" dirty="0" smtClean="0">
+                      <a:latin typeface="Helvetica"/>
+                      <a:cs typeface="Helvetica"/>
+                    </a:rPr>
+                    <a:t>1</a:t>
+                  </a:r>
+                  <a:endParaRPr lang="en-US" sz="1100" dirty="0">
+                    <a:latin typeface="Helvetica"/>
+                    <a:cs typeface="Helvetica"/>
+                  </a:endParaRPr>
+                </a:p>
+              </p:txBody>
+            </p:sp>
+            <p:sp>
+              <p:nvSpPr>
+                <p:cNvPr id="44" name="TextBox 43"/>
+                <p:cNvSpPr txBox="1"/>
+                <p:nvPr/>
+              </p:nvSpPr>
+              <p:spPr>
+                <a:xfrm>
+                  <a:off x="1917701" y="1617971"/>
+                  <a:ext cx="234949" cy="261610"/>
+                </a:xfrm>
+                <a:prstGeom prst="rect">
+                  <a:avLst/>
+                </a:prstGeom>
+                <a:noFill/>
+              </p:spPr>
+              <p:txBody>
+                <a:bodyPr wrap="square" rtlCol="0">
+                  <a:spAutoFit/>
+                </a:bodyPr>
+                <a:lstStyle/>
+                <a:p>
+                  <a:pPr>
+                    <a:tabLst>
+                      <a:tab pos="342900" algn="l"/>
+                    </a:tabLst>
+                  </a:pPr>
+                  <a:r>
+                    <a:rPr lang="en-US" sz="1100" dirty="0" smtClean="0">
+                      <a:latin typeface="Helvetica"/>
+                      <a:cs typeface="Helvetica"/>
+                    </a:rPr>
+                    <a:t>2</a:t>
+                  </a:r>
+                  <a:endParaRPr lang="en-US" sz="1100" dirty="0">
+                    <a:latin typeface="Helvetica"/>
+                    <a:cs typeface="Helvetica"/>
+                  </a:endParaRPr>
+                </a:p>
+              </p:txBody>
+            </p:sp>
+            <p:sp>
+              <p:nvSpPr>
+                <p:cNvPr id="45" name="TextBox 44"/>
+                <p:cNvSpPr txBox="1"/>
+                <p:nvPr/>
+              </p:nvSpPr>
+              <p:spPr>
+                <a:xfrm>
+                  <a:off x="2251076" y="1617971"/>
+                  <a:ext cx="234949" cy="261610"/>
+                </a:xfrm>
+                <a:prstGeom prst="rect">
+                  <a:avLst/>
+                </a:prstGeom>
+                <a:noFill/>
+              </p:spPr>
+              <p:txBody>
+                <a:bodyPr wrap="square" rtlCol="0">
+                  <a:spAutoFit/>
+                </a:bodyPr>
+                <a:lstStyle/>
+                <a:p>
+                  <a:pPr>
+                    <a:tabLst>
+                      <a:tab pos="342900" algn="l"/>
+                    </a:tabLst>
+                  </a:pPr>
+                  <a:r>
+                    <a:rPr lang="en-US" sz="1100" dirty="0" smtClean="0">
+                      <a:latin typeface="Helvetica"/>
+                      <a:cs typeface="Helvetica"/>
+                    </a:rPr>
+                    <a:t>3</a:t>
+                  </a:r>
+                  <a:endParaRPr lang="en-US" sz="1100" dirty="0">
+                    <a:latin typeface="Helvetica"/>
+                    <a:cs typeface="Helvetica"/>
+                  </a:endParaRPr>
+                </a:p>
+              </p:txBody>
+            </p:sp>
+            <p:sp>
+              <p:nvSpPr>
+                <p:cNvPr id="46" name="TextBox 45"/>
+                <p:cNvSpPr txBox="1"/>
+                <p:nvPr/>
+              </p:nvSpPr>
+              <p:spPr>
+                <a:xfrm>
+                  <a:off x="2574926" y="1617971"/>
+                  <a:ext cx="234949" cy="261610"/>
+                </a:xfrm>
+                <a:prstGeom prst="rect">
+                  <a:avLst/>
+                </a:prstGeom>
+                <a:noFill/>
+              </p:spPr>
+              <p:txBody>
+                <a:bodyPr wrap="square" rtlCol="0">
+                  <a:spAutoFit/>
+                </a:bodyPr>
+                <a:lstStyle/>
+                <a:p>
+                  <a:pPr>
+                    <a:tabLst>
+                      <a:tab pos="342900" algn="l"/>
+                    </a:tabLst>
+                  </a:pPr>
+                  <a:r>
+                    <a:rPr lang="en-US" sz="1100" dirty="0" smtClean="0">
+                      <a:latin typeface="Helvetica"/>
+                      <a:cs typeface="Helvetica"/>
+                    </a:rPr>
+                    <a:t>4</a:t>
+                  </a:r>
+                  <a:endParaRPr lang="en-US" sz="1100" dirty="0">
+                    <a:latin typeface="Helvetica"/>
+                    <a:cs typeface="Helvetica"/>
+                  </a:endParaRPr>
+                </a:p>
+              </p:txBody>
+            </p:sp>
+            <p:sp>
+              <p:nvSpPr>
+                <p:cNvPr id="47" name="TextBox 46"/>
+                <p:cNvSpPr txBox="1"/>
+                <p:nvPr/>
+              </p:nvSpPr>
+              <p:spPr>
+                <a:xfrm>
+                  <a:off x="2882901" y="1617971"/>
+                  <a:ext cx="234949" cy="261610"/>
+                </a:xfrm>
+                <a:prstGeom prst="rect">
+                  <a:avLst/>
+                </a:prstGeom>
+                <a:noFill/>
+              </p:spPr>
+              <p:txBody>
+                <a:bodyPr wrap="square" rtlCol="0">
+                  <a:spAutoFit/>
+                </a:bodyPr>
+                <a:lstStyle/>
+                <a:p>
+                  <a:pPr>
+                    <a:tabLst>
+                      <a:tab pos="342900" algn="l"/>
+                    </a:tabLst>
+                  </a:pPr>
+                  <a:r>
+                    <a:rPr lang="en-US" sz="1100" dirty="0">
+                      <a:latin typeface="Helvetica"/>
+                      <a:cs typeface="Helvetica"/>
+                    </a:rPr>
+                    <a:t>5</a:t>
+                  </a:r>
+                </a:p>
+              </p:txBody>
+            </p:sp>
+            <p:sp>
+              <p:nvSpPr>
+                <p:cNvPr id="48" name="TextBox 47"/>
+                <p:cNvSpPr txBox="1"/>
+                <p:nvPr/>
+              </p:nvSpPr>
+              <p:spPr>
+                <a:xfrm>
+                  <a:off x="3206751" y="1617971"/>
+                  <a:ext cx="234949" cy="261610"/>
+                </a:xfrm>
+                <a:prstGeom prst="rect">
+                  <a:avLst/>
+                </a:prstGeom>
+                <a:noFill/>
+              </p:spPr>
+              <p:txBody>
+                <a:bodyPr wrap="square" rtlCol="0">
+                  <a:spAutoFit/>
+                </a:bodyPr>
+                <a:lstStyle/>
+                <a:p>
+                  <a:pPr>
+                    <a:tabLst>
+                      <a:tab pos="342900" algn="l"/>
+                    </a:tabLst>
+                  </a:pPr>
+                  <a:r>
+                    <a:rPr lang="en-US" sz="1100" dirty="0" smtClean="0">
+                      <a:latin typeface="Helvetica"/>
+                      <a:cs typeface="Helvetica"/>
+                    </a:rPr>
+                    <a:t>6</a:t>
+                  </a:r>
+                  <a:endParaRPr lang="en-US" sz="1100" dirty="0">
+                    <a:latin typeface="Helvetica"/>
+                    <a:cs typeface="Helvetica"/>
+                  </a:endParaRPr>
+                </a:p>
+              </p:txBody>
+            </p:sp>
+            <p:sp>
+              <p:nvSpPr>
+                <p:cNvPr id="49" name="TextBox 48"/>
+                <p:cNvSpPr txBox="1"/>
+                <p:nvPr/>
+              </p:nvSpPr>
+              <p:spPr>
+                <a:xfrm>
+                  <a:off x="3881120" y="1617971"/>
+                  <a:ext cx="575941" cy="261610"/>
+                </a:xfrm>
+                <a:prstGeom prst="rect">
+                  <a:avLst/>
+                </a:prstGeom>
+                <a:noFill/>
+              </p:spPr>
+              <p:txBody>
+                <a:bodyPr wrap="square" rtlCol="0">
+                  <a:spAutoFit/>
+                </a:bodyPr>
+                <a:lstStyle/>
+                <a:p>
+                  <a:pPr>
+                    <a:tabLst>
+                      <a:tab pos="342900" algn="l"/>
+                    </a:tabLst>
+                  </a:pPr>
+                  <a:r>
+                    <a:rPr lang="en-US" sz="1100" dirty="0" smtClean="0">
+                      <a:latin typeface="Helvetica"/>
+                      <a:cs typeface="Helvetica"/>
+                    </a:rPr>
+                    <a:t>2</a:t>
+                  </a:r>
+                  <a:r>
+                    <a:rPr lang="en-US" sz="1100" i="1" dirty="0" smtClean="0">
+                      <a:latin typeface="Helvetica"/>
+                      <a:cs typeface="Helvetica"/>
+                    </a:rPr>
+                    <a:t>k</a:t>
+                  </a:r>
+                  <a:r>
+                    <a:rPr lang="en-US" sz="1100" dirty="0" smtClean="0">
+                      <a:latin typeface="Helvetica"/>
+                      <a:cs typeface="Helvetica"/>
+                    </a:rPr>
+                    <a:t>-1</a:t>
+                  </a:r>
+                  <a:endParaRPr lang="en-US" sz="1100" dirty="0">
+                    <a:latin typeface="Helvetica"/>
+                    <a:cs typeface="Helvetica"/>
+                  </a:endParaRPr>
+                </a:p>
+              </p:txBody>
+            </p:sp>
+            <p:sp>
+              <p:nvSpPr>
+                <p:cNvPr id="50" name="TextBox 49"/>
+                <p:cNvSpPr txBox="1"/>
+                <p:nvPr/>
+              </p:nvSpPr>
+              <p:spPr>
+                <a:xfrm>
+                  <a:off x="4286172" y="1617971"/>
+                  <a:ext cx="443864" cy="261610"/>
+                </a:xfrm>
+                <a:prstGeom prst="rect">
+                  <a:avLst/>
+                </a:prstGeom>
+                <a:noFill/>
+              </p:spPr>
+              <p:txBody>
+                <a:bodyPr wrap="square" rtlCol="0">
+                  <a:spAutoFit/>
+                </a:bodyPr>
+                <a:lstStyle/>
+                <a:p>
+                  <a:pPr>
+                    <a:tabLst>
+                      <a:tab pos="342900" algn="l"/>
+                    </a:tabLst>
+                  </a:pPr>
+                  <a:r>
+                    <a:rPr lang="en-US" sz="1100" dirty="0" smtClean="0">
+                      <a:latin typeface="Helvetica"/>
+                      <a:cs typeface="Helvetica"/>
+                    </a:rPr>
+                    <a:t>2</a:t>
+                  </a:r>
+                  <a:r>
+                    <a:rPr lang="en-US" sz="1100" i="1" dirty="0" smtClean="0">
+                      <a:latin typeface="Helvetica"/>
+                      <a:cs typeface="Helvetica"/>
+                    </a:rPr>
+                    <a:t>k</a:t>
+                  </a:r>
+                  <a:endParaRPr lang="en-US" sz="1100" i="1" dirty="0">
+                    <a:latin typeface="Helvetica"/>
+                    <a:cs typeface="Helvetica"/>
+                  </a:endParaRPr>
+                </a:p>
+              </p:txBody>
+            </p:sp>
+            <p:sp>
+              <p:nvSpPr>
+                <p:cNvPr id="51" name="TextBox 50"/>
+                <p:cNvSpPr txBox="1"/>
+                <p:nvPr/>
+              </p:nvSpPr>
+              <p:spPr>
+                <a:xfrm>
+                  <a:off x="3572511" y="1617971"/>
+                  <a:ext cx="349249" cy="261610"/>
+                </a:xfrm>
+                <a:prstGeom prst="rect">
+                  <a:avLst/>
+                </a:prstGeom>
+                <a:noFill/>
+              </p:spPr>
+              <p:txBody>
+                <a:bodyPr wrap="square" rtlCol="0">
+                  <a:spAutoFit/>
+                </a:bodyPr>
+                <a:lstStyle/>
+                <a:p>
+                  <a:pPr>
+                    <a:tabLst>
+                      <a:tab pos="342900" algn="l"/>
+                    </a:tabLst>
+                  </a:pPr>
+                  <a:r>
+                    <a:rPr lang="en-US" sz="1100" dirty="0" smtClean="0">
+                      <a:latin typeface="Helvetica"/>
+                      <a:cs typeface="Helvetica"/>
+                    </a:rPr>
+                    <a:t>...</a:t>
+                  </a:r>
+                  <a:endParaRPr lang="en-US" sz="1100" dirty="0">
+                    <a:latin typeface="Helvetica"/>
+                    <a:cs typeface="Helvetica"/>
+                  </a:endParaRPr>
+                </a:p>
+              </p:txBody>
+            </p:sp>
+            <p:sp>
+              <p:nvSpPr>
+                <p:cNvPr id="52" name="Double Bracket 51"/>
+                <p:cNvSpPr/>
+                <p:nvPr/>
+              </p:nvSpPr>
+              <p:spPr>
+                <a:xfrm>
+                  <a:off x="1577976" y="1869362"/>
+                  <a:ext cx="282576" cy="223520"/>
+                </a:xfrm>
+                <a:prstGeom prst="bracketPair">
+                  <a:avLst>
+                    <a:gd name="adj" fmla="val 26610"/>
+                  </a:avLst>
+                </a:prstGeom>
+                <a:ln w="19050" cmpd="sng">
+                  <a:solidFill>
+                    <a:schemeClr val="accent6">
+                      <a:lumMod val="75000"/>
+                    </a:schemeClr>
+                  </a:solidFill>
+                </a:ln>
+                <a:effectLst/>
+              </p:spPr>
+              <p:style>
+                <a:lnRef idx="2">
+                  <a:schemeClr val="accent1"/>
+                </a:lnRef>
+                <a:fillRef idx="0">
+                  <a:schemeClr val="accent1"/>
+                </a:fillRef>
+                <a:effectRef idx="1">
+                  <a:schemeClr val="accent1"/>
+                </a:effectRef>
+                <a:fontRef idx="minor">
+                  <a:schemeClr val="tx1"/>
+                </a:fontRef>
+              </p:style>
+              <p:txBody>
+                <a:bodyPr rtlCol="0" anchor="ctr"/>
+                <a:lstStyle/>
+                <a:p>
+                  <a:pPr algn="ctr"/>
+                  <a:endParaRPr lang="en-US"/>
+                </a:p>
+              </p:txBody>
+            </p:sp>
+            <p:sp>
+              <p:nvSpPr>
+                <p:cNvPr id="53" name="Double Bracket 52"/>
+                <p:cNvSpPr/>
+                <p:nvPr/>
+              </p:nvSpPr>
+              <p:spPr>
+                <a:xfrm>
+                  <a:off x="2251076" y="1869362"/>
+                  <a:ext cx="282576" cy="223520"/>
+                </a:xfrm>
+                <a:prstGeom prst="bracketPair">
+                  <a:avLst>
+                    <a:gd name="adj" fmla="val 26610"/>
+                  </a:avLst>
+                </a:prstGeom>
+                <a:ln w="19050" cmpd="sng">
+                  <a:solidFill>
+                    <a:schemeClr val="accent6">
+                      <a:lumMod val="75000"/>
+                    </a:schemeClr>
+                  </a:solidFill>
+                </a:ln>
+                <a:effectLst/>
+              </p:spPr>
+              <p:style>
+                <a:lnRef idx="2">
+                  <a:schemeClr val="accent1"/>
+                </a:lnRef>
+                <a:fillRef idx="0">
+                  <a:schemeClr val="accent1"/>
+                </a:fillRef>
+                <a:effectRef idx="1">
+                  <a:schemeClr val="accent1"/>
+                </a:effectRef>
+                <a:fontRef idx="minor">
+                  <a:schemeClr val="tx1"/>
+                </a:fontRef>
+              </p:style>
+              <p:txBody>
+                <a:bodyPr rtlCol="0" anchor="ctr"/>
+                <a:lstStyle/>
+                <a:p>
+                  <a:pPr algn="ctr"/>
+                  <a:endParaRPr lang="en-US"/>
+                </a:p>
+              </p:txBody>
+            </p:sp>
+            <p:sp>
+              <p:nvSpPr>
+                <p:cNvPr id="54" name="Double Bracket 53"/>
+                <p:cNvSpPr/>
+                <p:nvPr/>
+              </p:nvSpPr>
+              <p:spPr>
+                <a:xfrm>
+                  <a:off x="2876553" y="1869362"/>
+                  <a:ext cx="282576" cy="223520"/>
+                </a:xfrm>
+                <a:prstGeom prst="bracketPair">
+                  <a:avLst>
+                    <a:gd name="adj" fmla="val 26610"/>
+                  </a:avLst>
+                </a:prstGeom>
+                <a:ln w="19050" cmpd="sng">
+                  <a:solidFill>
+                    <a:schemeClr val="accent6">
+                      <a:lumMod val="75000"/>
+                    </a:schemeClr>
+                  </a:solidFill>
+                </a:ln>
+                <a:effectLst/>
+              </p:spPr>
+              <p:style>
+                <a:lnRef idx="2">
+                  <a:schemeClr val="accent1"/>
+                </a:lnRef>
+                <a:fillRef idx="0">
+                  <a:schemeClr val="accent1"/>
+                </a:fillRef>
+                <a:effectRef idx="1">
+                  <a:schemeClr val="accent1"/>
+                </a:effectRef>
+                <a:fontRef idx="minor">
+                  <a:schemeClr val="tx1"/>
+                </a:fontRef>
+              </p:style>
+              <p:txBody>
+                <a:bodyPr rtlCol="0" anchor="ctr"/>
+                <a:lstStyle/>
+                <a:p>
+                  <a:pPr algn="ctr"/>
+                  <a:endParaRPr lang="en-US"/>
+                </a:p>
+              </p:txBody>
+            </p:sp>
+            <p:sp>
+              <p:nvSpPr>
+                <p:cNvPr id="55" name="Double Bracket 54"/>
+                <p:cNvSpPr/>
+                <p:nvPr/>
+              </p:nvSpPr>
+              <p:spPr>
+                <a:xfrm>
+                  <a:off x="3948221" y="1869362"/>
+                  <a:ext cx="282576" cy="223520"/>
+                </a:xfrm>
+                <a:prstGeom prst="bracketPair">
+                  <a:avLst>
+                    <a:gd name="adj" fmla="val 26610"/>
+                  </a:avLst>
+                </a:prstGeom>
+                <a:ln w="19050" cmpd="sng">
+                  <a:solidFill>
+                    <a:schemeClr val="accent6">
+                      <a:lumMod val="75000"/>
+                    </a:schemeClr>
+                  </a:solidFill>
+                </a:ln>
+                <a:effectLst/>
+              </p:spPr>
+              <p:style>
+                <a:lnRef idx="2">
+                  <a:schemeClr val="accent1"/>
+                </a:lnRef>
+                <a:fillRef idx="0">
+                  <a:schemeClr val="accent1"/>
+                </a:fillRef>
+                <a:effectRef idx="1">
+                  <a:schemeClr val="accent1"/>
+                </a:effectRef>
+                <a:fontRef idx="minor">
+                  <a:schemeClr val="tx1"/>
+                </a:fontRef>
+              </p:style>
+              <p:txBody>
+                <a:bodyPr rtlCol="0" anchor="ctr"/>
+                <a:lstStyle/>
+                <a:p>
+                  <a:pPr algn="ctr"/>
+                  <a:endParaRPr lang="en-US"/>
+                </a:p>
+              </p:txBody>
+            </p:sp>
+            <p:sp>
+              <p:nvSpPr>
+                <p:cNvPr id="56" name="TextBox 55"/>
+                <p:cNvSpPr txBox="1"/>
+                <p:nvPr/>
+              </p:nvSpPr>
+              <p:spPr>
+                <a:xfrm>
+                  <a:off x="1599145" y="2080183"/>
+                  <a:ext cx="234949" cy="261610"/>
+                </a:xfrm>
+                <a:prstGeom prst="rect">
+                  <a:avLst/>
+                </a:prstGeom>
+                <a:noFill/>
+              </p:spPr>
+              <p:txBody>
+                <a:bodyPr wrap="square" rtlCol="0">
+                  <a:spAutoFit/>
+                </a:bodyPr>
+                <a:lstStyle/>
+                <a:p>
+                  <a:pPr>
+                    <a:tabLst>
+                      <a:tab pos="342900" algn="l"/>
+                    </a:tabLst>
+                  </a:pPr>
+                  <a:r>
+                    <a:rPr lang="en-US" sz="1100" dirty="0" smtClean="0">
+                      <a:solidFill>
+                        <a:schemeClr val="accent6">
+                          <a:lumMod val="75000"/>
+                        </a:schemeClr>
+                      </a:solidFill>
+                      <a:latin typeface="Helvetica"/>
+                      <a:cs typeface="Helvetica"/>
+                    </a:rPr>
+                    <a:t>1</a:t>
+                  </a:r>
+                  <a:endParaRPr lang="en-US" sz="1100" dirty="0">
+                    <a:solidFill>
+                      <a:schemeClr val="accent6">
+                        <a:lumMod val="75000"/>
+                      </a:schemeClr>
+                    </a:solidFill>
+                    <a:latin typeface="Helvetica"/>
+                    <a:cs typeface="Helvetica"/>
+                  </a:endParaRPr>
+                </a:p>
+              </p:txBody>
+            </p:sp>
+            <p:sp>
+              <p:nvSpPr>
+                <p:cNvPr id="57" name="TextBox 56"/>
+                <p:cNvSpPr txBox="1"/>
+                <p:nvPr/>
+              </p:nvSpPr>
+              <p:spPr>
+                <a:xfrm>
+                  <a:off x="2251077" y="2080183"/>
+                  <a:ext cx="234949" cy="261610"/>
+                </a:xfrm>
+                <a:prstGeom prst="rect">
+                  <a:avLst/>
+                </a:prstGeom>
+                <a:noFill/>
+              </p:spPr>
+              <p:txBody>
+                <a:bodyPr wrap="square" rtlCol="0">
+                  <a:spAutoFit/>
+                </a:bodyPr>
+                <a:lstStyle/>
+                <a:p>
+                  <a:pPr>
+                    <a:tabLst>
+                      <a:tab pos="342900" algn="l"/>
+                    </a:tabLst>
+                  </a:pPr>
+                  <a:r>
+                    <a:rPr lang="en-US" sz="1100" dirty="0" smtClean="0">
+                      <a:solidFill>
+                        <a:schemeClr val="accent6">
+                          <a:lumMod val="75000"/>
+                        </a:schemeClr>
+                      </a:solidFill>
+                      <a:latin typeface="Helvetica"/>
+                      <a:cs typeface="Helvetica"/>
+                    </a:rPr>
+                    <a:t>2</a:t>
+                  </a:r>
+                  <a:endParaRPr lang="en-US" sz="1100" dirty="0">
+                    <a:solidFill>
+                      <a:schemeClr val="accent6">
+                        <a:lumMod val="75000"/>
+                      </a:schemeClr>
+                    </a:solidFill>
+                    <a:latin typeface="Helvetica"/>
+                    <a:cs typeface="Helvetica"/>
+                  </a:endParaRPr>
+                </a:p>
+              </p:txBody>
+            </p:sp>
+            <p:sp>
+              <p:nvSpPr>
+                <p:cNvPr id="58" name="TextBox 57"/>
+                <p:cNvSpPr txBox="1"/>
+                <p:nvPr/>
+              </p:nvSpPr>
+              <p:spPr>
+                <a:xfrm>
+                  <a:off x="2879939" y="2080183"/>
+                  <a:ext cx="234949" cy="261610"/>
+                </a:xfrm>
+                <a:prstGeom prst="rect">
+                  <a:avLst/>
+                </a:prstGeom>
+                <a:noFill/>
+              </p:spPr>
+              <p:txBody>
+                <a:bodyPr wrap="square" rtlCol="0">
+                  <a:spAutoFit/>
+                </a:bodyPr>
+                <a:lstStyle/>
+                <a:p>
+                  <a:pPr>
+                    <a:tabLst>
+                      <a:tab pos="342900" algn="l"/>
+                    </a:tabLst>
+                  </a:pPr>
+                  <a:r>
+                    <a:rPr lang="en-US" sz="1100" dirty="0" smtClean="0">
+                      <a:solidFill>
+                        <a:schemeClr val="accent6">
+                          <a:lumMod val="75000"/>
+                        </a:schemeClr>
+                      </a:solidFill>
+                      <a:latin typeface="Helvetica"/>
+                      <a:cs typeface="Helvetica"/>
+                    </a:rPr>
+                    <a:t>3</a:t>
+                  </a:r>
+                  <a:endParaRPr lang="en-US" sz="1100" dirty="0">
+                    <a:solidFill>
+                      <a:schemeClr val="accent6">
+                        <a:lumMod val="75000"/>
+                      </a:schemeClr>
+                    </a:solidFill>
+                    <a:latin typeface="Helvetica"/>
+                    <a:cs typeface="Helvetica"/>
+                  </a:endParaRPr>
+                </a:p>
+              </p:txBody>
+            </p:sp>
+            <p:sp>
+              <p:nvSpPr>
+                <p:cNvPr id="59" name="TextBox 58"/>
+                <p:cNvSpPr txBox="1"/>
+                <p:nvPr/>
+              </p:nvSpPr>
+              <p:spPr>
+                <a:xfrm>
+                  <a:off x="3966217" y="2080183"/>
+                  <a:ext cx="234949" cy="261610"/>
+                </a:xfrm>
+                <a:prstGeom prst="rect">
+                  <a:avLst/>
+                </a:prstGeom>
+                <a:noFill/>
+              </p:spPr>
+              <p:txBody>
+                <a:bodyPr wrap="square" rtlCol="0">
+                  <a:spAutoFit/>
+                </a:bodyPr>
+                <a:lstStyle/>
+                <a:p>
+                  <a:pPr>
+                    <a:tabLst>
+                      <a:tab pos="342900" algn="l"/>
+                    </a:tabLst>
+                  </a:pPr>
+                  <a:r>
+                    <a:rPr lang="en-US" sz="1100" i="1" dirty="0" smtClean="0">
+                      <a:solidFill>
+                        <a:schemeClr val="accent6">
+                          <a:lumMod val="75000"/>
+                        </a:schemeClr>
+                      </a:solidFill>
+                      <a:latin typeface="Helvetica"/>
+                      <a:cs typeface="Helvetica"/>
+                    </a:rPr>
+                    <a:t>k</a:t>
+                  </a:r>
+                  <a:endParaRPr lang="en-US" sz="1100" i="1" dirty="0">
+                    <a:solidFill>
+                      <a:schemeClr val="accent6">
+                        <a:lumMod val="75000"/>
+                      </a:schemeClr>
+                    </a:solidFill>
+                    <a:latin typeface="Helvetica"/>
+                    <a:cs typeface="Helvetica"/>
+                  </a:endParaRPr>
+                </a:p>
+              </p:txBody>
+            </p:sp>
+            <p:sp>
+              <p:nvSpPr>
+                <p:cNvPr id="62" name="Oval 61"/>
+                <p:cNvSpPr>
+                  <a:spLocks noChangeAspect="1"/>
+                </p:cNvSpPr>
+                <p:nvPr/>
+              </p:nvSpPr>
+              <p:spPr>
+                <a:xfrm flipV="1">
+                  <a:off x="4750356" y="1936382"/>
+                  <a:ext cx="82296" cy="82296"/>
+                </a:xfrm>
+                <a:prstGeom prst="ellipse">
+                  <a:avLst/>
+                </a:prstGeom>
+                <a:solidFill>
+                  <a:srgbClr val="FF0000"/>
+                </a:solidFill>
+                <a:ln>
+                  <a:solidFill>
+                    <a:schemeClr val="tx1"/>
+                  </a:solidFill>
+                </a:ln>
+                <a:effectLst/>
+              </p:spPr>
+              <p:style>
+                <a:lnRef idx="1">
+                  <a:schemeClr val="accent1"/>
+                </a:lnRef>
+                <a:fillRef idx="3">
+                  <a:schemeClr val="accent1"/>
+                </a:fillRef>
+                <a:effectRef idx="2">
+                  <a:schemeClr val="accent1"/>
+                </a:effectRef>
+                <a:fontRef idx="minor">
+                  <a:schemeClr val="lt1"/>
+                </a:fontRef>
+              </p:style>
+              <p:txBody>
+                <a:bodyPr rtlCol="0" anchor="ctr"/>
+                <a:lstStyle/>
+                <a:p>
+                  <a:pPr algn="ctr"/>
+                  <a:endParaRPr lang="en-US"/>
+                </a:p>
+              </p:txBody>
+            </p:sp>
+            <p:sp>
+              <p:nvSpPr>
+                <p:cNvPr id="63" name="TextBox 62"/>
+                <p:cNvSpPr txBox="1"/>
+                <p:nvPr/>
+              </p:nvSpPr>
+              <p:spPr>
+                <a:xfrm>
+                  <a:off x="4547220" y="1617971"/>
+                  <a:ext cx="634380" cy="261610"/>
+                </a:xfrm>
+                <a:prstGeom prst="rect">
+                  <a:avLst/>
+                </a:prstGeom>
+                <a:noFill/>
+              </p:spPr>
+              <p:txBody>
+                <a:bodyPr wrap="square" rtlCol="0">
+                  <a:spAutoFit/>
+                </a:bodyPr>
+                <a:lstStyle/>
+                <a:p>
+                  <a:pPr>
+                    <a:tabLst>
+                      <a:tab pos="342900" algn="l"/>
+                    </a:tabLst>
+                  </a:pPr>
+                  <a:r>
+                    <a:rPr lang="en-US" sz="1100" dirty="0" smtClean="0">
+                      <a:latin typeface="Helvetica"/>
+                      <a:cs typeface="Helvetica"/>
+                    </a:rPr>
+                    <a:t>2</a:t>
+                  </a:r>
+                  <a:r>
+                    <a:rPr lang="en-US" sz="1100" i="1" dirty="0" smtClean="0">
+                      <a:latin typeface="Helvetica"/>
+                      <a:cs typeface="Helvetica"/>
+                    </a:rPr>
+                    <a:t>k+1</a:t>
+                  </a:r>
+                  <a:endParaRPr lang="en-US" sz="1100" i="1" dirty="0">
+                    <a:latin typeface="Helvetica"/>
+                    <a:cs typeface="Helvetica"/>
+                  </a:endParaRPr>
+                </a:p>
+              </p:txBody>
+            </p:sp>
+          </p:grpSp>
+          <p:sp>
+            <p:nvSpPr>
+              <p:cNvPr id="64" name="TextBox 63"/>
+              <p:cNvSpPr txBox="1"/>
+              <p:nvPr/>
+            </p:nvSpPr>
+            <p:spPr>
+              <a:xfrm>
+                <a:off x="1106178" y="433000"/>
+                <a:ext cx="2767536" cy="276999"/>
+              </a:xfrm>
+              <a:prstGeom prst="rect">
+                <a:avLst/>
+              </a:prstGeom>
+              <a:noFill/>
+            </p:spPr>
+            <p:txBody>
+              <a:bodyPr wrap="none" rtlCol="0">
+                <a:spAutoFit/>
+              </a:bodyPr>
+              <a:lstStyle/>
+              <a:p>
+                <a:r>
+                  <a:rPr lang="en-US" sz="1200" dirty="0" smtClean="0">
+                    <a:latin typeface="Helvetica"/>
+                    <a:cs typeface="Helvetica"/>
+                  </a:rPr>
+                  <a:t>a. 2</a:t>
+                </a:r>
+                <a:r>
+                  <a:rPr lang="en-US" sz="1200" i="1" dirty="0" smtClean="0">
+                    <a:latin typeface="Helvetica"/>
+                    <a:cs typeface="Helvetica"/>
+                  </a:rPr>
+                  <a:t>k</a:t>
+                </a:r>
+                <a:r>
+                  <a:rPr lang="en-US" sz="1200" dirty="0" smtClean="0">
+                    <a:latin typeface="Helvetica"/>
+                    <a:cs typeface="Helvetica"/>
+                  </a:rPr>
+                  <a:t> can be shattered with </a:t>
+                </a:r>
+                <a:r>
+                  <a:rPr lang="en-US" sz="1200" i="1" dirty="0" smtClean="0">
+                    <a:latin typeface="Helvetica"/>
+                    <a:cs typeface="Helvetica"/>
+                  </a:rPr>
+                  <a:t>k</a:t>
+                </a:r>
+                <a:r>
+                  <a:rPr lang="en-US" sz="1200" dirty="0" smtClean="0">
+                    <a:latin typeface="Helvetica"/>
+                    <a:cs typeface="Helvetica"/>
+                  </a:rPr>
+                  <a:t> intervals</a:t>
+                </a:r>
+                <a:endParaRPr lang="en-US" sz="1200" dirty="0">
+                  <a:latin typeface="Helvetica"/>
+                  <a:cs typeface="Helvetica"/>
+                </a:endParaRPr>
+              </a:p>
+            </p:txBody>
+          </p:sp>
+          <p:sp>
+            <p:nvSpPr>
+              <p:cNvPr id="65" name="TextBox 64"/>
+              <p:cNvSpPr txBox="1"/>
+              <p:nvPr/>
+            </p:nvSpPr>
+            <p:spPr>
+              <a:xfrm>
+                <a:off x="1106178" y="1525122"/>
+                <a:ext cx="3148744" cy="276999"/>
+              </a:xfrm>
+              <a:prstGeom prst="rect">
+                <a:avLst/>
+              </a:prstGeom>
+              <a:noFill/>
+            </p:spPr>
+            <p:txBody>
+              <a:bodyPr wrap="none" rtlCol="0">
+                <a:spAutoFit/>
+              </a:bodyPr>
+              <a:lstStyle/>
+              <a:p>
+                <a:r>
+                  <a:rPr lang="en-US" sz="1200" dirty="0" smtClean="0">
+                    <a:latin typeface="Helvetica"/>
+                    <a:cs typeface="Helvetica"/>
+                  </a:rPr>
+                  <a:t>b. 2</a:t>
+                </a:r>
+                <a:r>
+                  <a:rPr lang="en-US" sz="1200" i="1" dirty="0" smtClean="0">
+                    <a:latin typeface="Helvetica"/>
+                    <a:cs typeface="Helvetica"/>
+                  </a:rPr>
+                  <a:t>k</a:t>
+                </a:r>
+                <a:r>
+                  <a:rPr lang="en-US" sz="1200" dirty="0" smtClean="0">
+                    <a:latin typeface="Helvetica"/>
+                    <a:cs typeface="Helvetica"/>
+                  </a:rPr>
+                  <a:t>+1 cannot be shattered with </a:t>
+                </a:r>
+                <a:r>
+                  <a:rPr lang="en-US" sz="1200" i="1" dirty="0" smtClean="0">
+                    <a:latin typeface="Helvetica"/>
+                    <a:cs typeface="Helvetica"/>
+                  </a:rPr>
+                  <a:t>k</a:t>
+                </a:r>
+                <a:r>
+                  <a:rPr lang="en-US" sz="1200" dirty="0" smtClean="0">
+                    <a:latin typeface="Helvetica"/>
+                    <a:cs typeface="Helvetica"/>
+                  </a:rPr>
+                  <a:t> intervals</a:t>
+                </a:r>
+                <a:endParaRPr lang="en-US" sz="1200" dirty="0">
+                  <a:latin typeface="Helvetica"/>
+                  <a:cs typeface="Helvetica"/>
+                </a:endParaRPr>
+              </a:p>
+            </p:txBody>
+          </p:sp>
+          <p:grpSp>
+            <p:nvGrpSpPr>
+              <p:cNvPr id="73" name="Group 72"/>
+              <p:cNvGrpSpPr/>
+              <p:nvPr/>
+            </p:nvGrpSpPr>
+            <p:grpSpPr>
+              <a:xfrm>
+                <a:off x="5132686" y="579194"/>
+                <a:ext cx="687069" cy="478426"/>
+                <a:chOff x="4958080" y="579194"/>
+                <a:chExt cx="687069" cy="478426"/>
+              </a:xfrm>
+            </p:grpSpPr>
+            <p:sp>
+              <p:nvSpPr>
+                <p:cNvPr id="68" name="Oval 67"/>
+                <p:cNvSpPr>
+                  <a:spLocks noChangeAspect="1"/>
+                </p:cNvSpPr>
+                <p:nvPr/>
+              </p:nvSpPr>
+              <p:spPr>
+                <a:xfrm>
+                  <a:off x="5050390" y="879602"/>
+                  <a:ext cx="82296" cy="82296"/>
+                </a:xfrm>
+                <a:prstGeom prst="ellipse">
+                  <a:avLst/>
+                </a:prstGeom>
+                <a:solidFill>
+                  <a:srgbClr val="0000FF"/>
+                </a:solidFill>
+                <a:ln>
+                  <a:solidFill>
+                    <a:schemeClr val="tx1"/>
+                  </a:solidFill>
+                </a:ln>
+                <a:effectLst/>
+              </p:spPr>
+              <p:style>
+                <a:lnRef idx="1">
+                  <a:schemeClr val="accent1"/>
+                </a:lnRef>
+                <a:fillRef idx="3">
+                  <a:schemeClr val="accent1"/>
+                </a:fillRef>
+                <a:effectRef idx="2">
+                  <a:schemeClr val="accent1"/>
+                </a:effectRef>
+                <a:fontRef idx="minor">
+                  <a:schemeClr val="lt1"/>
+                </a:fontRef>
+              </p:style>
+              <p:txBody>
+                <a:bodyPr rtlCol="0" anchor="ctr"/>
+                <a:lstStyle/>
+                <a:p>
+                  <a:pPr algn="ctr"/>
+                  <a:endParaRPr lang="en-US"/>
+                </a:p>
+              </p:txBody>
+            </p:sp>
+            <p:sp>
+              <p:nvSpPr>
+                <p:cNvPr id="69" name="Oval 68"/>
+                <p:cNvSpPr>
+                  <a:spLocks noChangeAspect="1"/>
+                </p:cNvSpPr>
+                <p:nvPr/>
+              </p:nvSpPr>
+              <p:spPr>
+                <a:xfrm flipV="1">
+                  <a:off x="5050390" y="692403"/>
+                  <a:ext cx="82296" cy="82296"/>
+                </a:xfrm>
+                <a:prstGeom prst="ellipse">
+                  <a:avLst/>
+                </a:prstGeom>
+                <a:solidFill>
+                  <a:srgbClr val="FF0000"/>
+                </a:solidFill>
+                <a:ln>
+                  <a:solidFill>
+                    <a:schemeClr val="tx1"/>
+                  </a:solidFill>
+                </a:ln>
+                <a:effectLst/>
+              </p:spPr>
+              <p:style>
+                <a:lnRef idx="1">
+                  <a:schemeClr val="accent1"/>
+                </a:lnRef>
+                <a:fillRef idx="3">
+                  <a:schemeClr val="accent1"/>
+                </a:fillRef>
+                <a:effectRef idx="2">
+                  <a:schemeClr val="accent1"/>
+                </a:effectRef>
+                <a:fontRef idx="minor">
+                  <a:schemeClr val="lt1"/>
+                </a:fontRef>
+              </p:style>
+              <p:txBody>
+                <a:bodyPr rtlCol="0" anchor="ctr"/>
+                <a:lstStyle/>
+                <a:p>
+                  <a:pPr algn="ctr"/>
+                  <a:endParaRPr lang="en-US"/>
+                </a:p>
+              </p:txBody>
+            </p:sp>
+            <p:sp>
+              <p:nvSpPr>
+                <p:cNvPr id="70" name="TextBox 69"/>
+                <p:cNvSpPr txBox="1"/>
+                <p:nvPr/>
+              </p:nvSpPr>
+              <p:spPr>
+                <a:xfrm>
+                  <a:off x="5086350" y="579194"/>
+                  <a:ext cx="558799" cy="261610"/>
+                </a:xfrm>
+                <a:prstGeom prst="rect">
+                  <a:avLst/>
+                </a:prstGeom>
+                <a:noFill/>
+              </p:spPr>
+              <p:txBody>
+                <a:bodyPr wrap="square" rtlCol="0">
+                  <a:spAutoFit/>
+                </a:bodyPr>
+                <a:lstStyle/>
+                <a:p>
+                  <a:pPr>
+                    <a:tabLst>
+                      <a:tab pos="342900" algn="l"/>
+                    </a:tabLst>
+                  </a:pPr>
+                  <a:r>
+                    <a:rPr lang="en-US" sz="1100" dirty="0">
+                      <a:latin typeface="Helvetica"/>
+                      <a:cs typeface="Helvetica"/>
+                    </a:rPr>
+                    <a:t>+</a:t>
+                  </a:r>
+                  <a:r>
+                    <a:rPr lang="en-US" sz="1100" dirty="0" smtClean="0">
+                      <a:latin typeface="Helvetica"/>
+                      <a:cs typeface="Helvetica"/>
+                    </a:rPr>
+                    <a:t>1</a:t>
+                  </a:r>
+                  <a:endParaRPr lang="en-US" sz="1100" dirty="0">
+                    <a:latin typeface="Helvetica"/>
+                    <a:cs typeface="Helvetica"/>
+                  </a:endParaRPr>
+                </a:p>
+              </p:txBody>
+            </p:sp>
+            <p:sp>
+              <p:nvSpPr>
+                <p:cNvPr id="71" name="TextBox 70"/>
+                <p:cNvSpPr txBox="1"/>
+                <p:nvPr/>
+              </p:nvSpPr>
+              <p:spPr>
+                <a:xfrm>
+                  <a:off x="5089525" y="776043"/>
+                  <a:ext cx="441324" cy="261610"/>
+                </a:xfrm>
+                <a:prstGeom prst="rect">
+                  <a:avLst/>
+                </a:prstGeom>
+                <a:noFill/>
+              </p:spPr>
+              <p:txBody>
+                <a:bodyPr wrap="square" rtlCol="0">
+                  <a:spAutoFit/>
+                </a:bodyPr>
+                <a:lstStyle/>
+                <a:p>
+                  <a:pPr>
+                    <a:tabLst>
+                      <a:tab pos="342900" algn="l"/>
+                    </a:tabLst>
+                  </a:pPr>
+                  <a:r>
+                    <a:rPr lang="en-US" sz="1100" dirty="0" smtClean="0">
+                      <a:latin typeface="Helvetica"/>
+                      <a:cs typeface="Helvetica"/>
+                    </a:rPr>
+                    <a:t>−1</a:t>
+                  </a:r>
+                  <a:endParaRPr lang="en-US" sz="1100" dirty="0">
+                    <a:latin typeface="Helvetica"/>
+                    <a:cs typeface="Helvetica"/>
+                  </a:endParaRPr>
+                </a:p>
+              </p:txBody>
+            </p:sp>
+            <p:sp>
+              <p:nvSpPr>
+                <p:cNvPr id="72" name="Rectangle 71"/>
+                <p:cNvSpPr/>
+                <p:nvPr/>
+              </p:nvSpPr>
+              <p:spPr>
+                <a:xfrm>
+                  <a:off x="4958080" y="589354"/>
+                  <a:ext cx="497840" cy="468266"/>
+                </a:xfrm>
+                <a:prstGeom prst="rect">
+                  <a:avLst/>
+                </a:prstGeom>
+                <a:noFill/>
+                <a:ln>
+                  <a:solidFill>
+                    <a:schemeClr val="tx1"/>
+                  </a:solidFill>
+                </a:ln>
+                <a:effectLst/>
+              </p:spPr>
+              <p:style>
+                <a:lnRef idx="1">
+                  <a:schemeClr val="accent1"/>
+                </a:lnRef>
+                <a:fillRef idx="3">
+                  <a:schemeClr val="accent1"/>
+                </a:fillRef>
+                <a:effectRef idx="2">
+                  <a:schemeClr val="accent1"/>
+                </a:effectRef>
+                <a:fontRef idx="minor">
+                  <a:schemeClr val="lt1"/>
+                </a:fontRef>
+              </p:style>
+              <p:txBody>
+                <a:bodyPr rtlCol="0" anchor="ctr"/>
+                <a:lstStyle/>
+                <a:p>
+                  <a:pPr algn="ctr"/>
+                  <a:endParaRPr lang="en-US"/>
+                </a:p>
+              </p:txBody>
+            </p:sp>
+          </p:grpSp>
+        </p:grpSp>
+        <p:sp>
+          <p:nvSpPr>
+            <p:cNvPr id="75" name="TextBox 74"/>
+            <p:cNvSpPr txBox="1"/>
+            <p:nvPr/>
+          </p:nvSpPr>
+          <p:spPr>
+            <a:xfrm>
+              <a:off x="858312" y="1182553"/>
+              <a:ext cx="801793" cy="261610"/>
+            </a:xfrm>
+            <a:prstGeom prst="rect">
+              <a:avLst/>
+            </a:prstGeom>
+            <a:noFill/>
+          </p:spPr>
+          <p:txBody>
+            <a:bodyPr wrap="square" rtlCol="0">
+              <a:spAutoFit/>
+            </a:bodyPr>
+            <a:lstStyle/>
+            <a:p>
+              <a:pPr>
+                <a:tabLst>
+                  <a:tab pos="342900" algn="l"/>
+                </a:tabLst>
+              </a:pPr>
+              <a:r>
+                <a:rPr lang="en-US" sz="1100" dirty="0" smtClean="0">
+                  <a:latin typeface="Helvetica"/>
+                  <a:cs typeface="Helvetica"/>
+                </a:rPr>
+                <a:t>intervals:</a:t>
+              </a:r>
+              <a:endParaRPr lang="en-US" sz="1100" dirty="0">
+                <a:latin typeface="Helvetica"/>
+                <a:cs typeface="Helvetica"/>
+              </a:endParaRPr>
+            </a:p>
+          </p:txBody>
+        </p:sp>
+        <p:sp>
+          <p:nvSpPr>
+            <p:cNvPr id="76" name="TextBox 75"/>
+            <p:cNvSpPr txBox="1"/>
+            <p:nvPr/>
+          </p:nvSpPr>
+          <p:spPr>
+            <a:xfrm>
+              <a:off x="858312" y="2268326"/>
+              <a:ext cx="801793" cy="261610"/>
+            </a:xfrm>
+            <a:prstGeom prst="rect">
+              <a:avLst/>
+            </a:prstGeom>
+            <a:noFill/>
+          </p:spPr>
+          <p:txBody>
+            <a:bodyPr wrap="square" rtlCol="0">
+              <a:spAutoFit/>
+            </a:bodyPr>
+            <a:lstStyle/>
+            <a:p>
+              <a:pPr>
+                <a:tabLst>
+                  <a:tab pos="342900" algn="l"/>
+                </a:tabLst>
+              </a:pPr>
+              <a:r>
+                <a:rPr lang="en-US" sz="1100" dirty="0" smtClean="0">
+                  <a:latin typeface="Helvetica"/>
+                  <a:cs typeface="Helvetica"/>
+                </a:rPr>
+                <a:t>intervals:</a:t>
+              </a:r>
+              <a:endParaRPr lang="en-US" sz="1100" dirty="0">
+                <a:latin typeface="Helvetica"/>
+                <a:cs typeface="Helvetica"/>
+              </a:endParaRPr>
+            </a:p>
+          </p:txBody>
+        </p:sp>
+      </p:grpSp>
+      <p:grpSp>
+        <p:nvGrpSpPr>
+          <p:cNvPr id="146" name="Group 145"/>
+          <p:cNvGrpSpPr/>
+          <p:nvPr/>
+        </p:nvGrpSpPr>
+        <p:grpSpPr>
+          <a:xfrm>
+            <a:off x="1043446" y="2774958"/>
+            <a:ext cx="7503570" cy="2604050"/>
+            <a:chOff x="1043446" y="2774958"/>
+            <a:chExt cx="7503570" cy="2604050"/>
+          </a:xfrm>
+        </p:grpSpPr>
+        <p:grpSp>
+          <p:nvGrpSpPr>
+            <p:cNvPr id="141" name="Group 140"/>
+            <p:cNvGrpSpPr/>
+            <p:nvPr/>
+          </p:nvGrpSpPr>
+          <p:grpSpPr>
+            <a:xfrm>
+              <a:off x="1106178" y="3021477"/>
+              <a:ext cx="7440838" cy="2357531"/>
+              <a:chOff x="1106178" y="3021477"/>
+              <a:chExt cx="7440838" cy="2357531"/>
+            </a:xfrm>
+          </p:grpSpPr>
+          <p:pic>
+            <p:nvPicPr>
+              <p:cNvPr id="79" name="Picture 78" descr="figure3_12.pdf"/>
+              <p:cNvPicPr>
+                <a:picLocks noChangeAspect="1"/>
+              </p:cNvPicPr>
+              <p:nvPr/>
+            </p:nvPicPr>
+            <p:blipFill rotWithShape="1">
+              <a:blip r:embed="rId2">
+                <a:extLst>
+                  <a:ext uri="{28A0092B-C50C-407E-A947-70E740481C1C}">
+                    <a14:useLocalDpi xmlns:a14="http://schemas.microsoft.com/office/drawing/2010/main" val="0"/>
+                  </a:ext>
+                </a:extLst>
+              </a:blip>
+              <a:srcRect l="10222" r="12369"/>
+              <a:stretch/>
+            </p:blipFill>
+            <p:spPr>
+              <a:xfrm>
+                <a:off x="1106178" y="3921759"/>
+                <a:ext cx="7078218" cy="950119"/>
+              </a:xfrm>
+              <a:prstGeom prst="rect">
+                <a:avLst/>
+              </a:prstGeom>
+            </p:spPr>
+          </p:pic>
+          <p:cxnSp>
+            <p:nvCxnSpPr>
+              <p:cNvPr id="82" name="Straight Connector 81"/>
+              <p:cNvCxnSpPr/>
+              <p:nvPr/>
+            </p:nvCxnSpPr>
+            <p:spPr>
+              <a:xfrm>
+                <a:off x="5808285" y="3992879"/>
+                <a:ext cx="0" cy="711200"/>
+              </a:xfrm>
+              <a:prstGeom prst="line">
+                <a:avLst/>
+              </a:prstGeom>
+              <a:ln>
+                <a:solidFill>
+                  <a:srgbClr val="C24D00"/>
+                </a:solidFill>
+              </a:ln>
+              <a:effectLst/>
+            </p:spPr>
+            <p:style>
+              <a:lnRef idx="2">
+                <a:schemeClr val="accent1"/>
+              </a:lnRef>
+              <a:fillRef idx="0">
+                <a:schemeClr val="accent1"/>
+              </a:fillRef>
+              <a:effectRef idx="1">
+                <a:schemeClr val="accent1"/>
+              </a:effectRef>
+              <a:fontRef idx="minor">
+                <a:schemeClr val="tx1"/>
+              </a:fontRef>
+            </p:style>
+          </p:cxnSp>
+          <p:sp>
+            <p:nvSpPr>
+              <p:cNvPr id="84" name="Left Bracket 83"/>
+              <p:cNvSpPr/>
+              <p:nvPr/>
+            </p:nvSpPr>
+            <p:spPr>
+              <a:xfrm rot="16200000">
+                <a:off x="3497411" y="2814844"/>
+                <a:ext cx="184618" cy="4440516"/>
+              </a:xfrm>
+              <a:prstGeom prst="leftBracket">
+                <a:avLst>
+                  <a:gd name="adj" fmla="val 144194"/>
+                </a:avLst>
+              </a:prstGeom>
+              <a:ln>
+                <a:solidFill>
+                  <a:srgbClr val="C24D00"/>
+                </a:solidFill>
+              </a:ln>
+              <a:effectLst/>
+            </p:spPr>
+            <p:style>
+              <a:lnRef idx="2">
+                <a:schemeClr val="accent1"/>
+              </a:lnRef>
+              <a:fillRef idx="0">
+                <a:schemeClr val="accent1"/>
+              </a:fillRef>
+              <a:effectRef idx="1">
+                <a:schemeClr val="accent1"/>
+              </a:effectRef>
+              <a:fontRef idx="minor">
+                <a:schemeClr val="tx1"/>
+              </a:fontRef>
+            </p:style>
+            <p:txBody>
+              <a:bodyPr rtlCol="0" anchor="ctr"/>
+              <a:lstStyle/>
+              <a:p>
+                <a:pPr algn="ctr"/>
+                <a:endParaRPr lang="en-US"/>
+              </a:p>
+            </p:txBody>
+          </p:sp>
+          <p:sp>
+            <p:nvSpPr>
+              <p:cNvPr id="85" name="TextBox 84"/>
+              <p:cNvSpPr txBox="1"/>
+              <p:nvPr/>
+            </p:nvSpPr>
+            <p:spPr>
+              <a:xfrm>
+                <a:off x="2770789" y="5102009"/>
+                <a:ext cx="1587619" cy="276999"/>
+              </a:xfrm>
+              <a:prstGeom prst="rect">
+                <a:avLst/>
+              </a:prstGeom>
+              <a:noFill/>
+            </p:spPr>
+            <p:txBody>
+              <a:bodyPr wrap="none" rtlCol="0">
+                <a:spAutoFit/>
+              </a:bodyPr>
+              <a:lstStyle/>
+              <a:p>
+                <a:r>
+                  <a:rPr lang="en-US" sz="1200" dirty="0" smtClean="0">
+                    <a:solidFill>
+                      <a:srgbClr val="C24D00"/>
+                    </a:solidFill>
+                    <a:latin typeface="Helvetica"/>
+                    <a:cs typeface="Helvetica"/>
+                  </a:rPr>
+                  <a:t>the repetitive pattern</a:t>
+                </a:r>
+                <a:endParaRPr lang="en-US" sz="1200" dirty="0">
+                  <a:solidFill>
+                    <a:srgbClr val="C24D00"/>
+                  </a:solidFill>
+                  <a:latin typeface="Helvetica"/>
+                  <a:cs typeface="Helvetica"/>
+                </a:endParaRPr>
+              </a:p>
+            </p:txBody>
+          </p:sp>
+          <p:sp>
+            <p:nvSpPr>
+              <p:cNvPr id="86" name="Left Bracket 85"/>
+              <p:cNvSpPr/>
+              <p:nvPr/>
+            </p:nvSpPr>
+            <p:spPr>
+              <a:xfrm rot="5400000" flipV="1">
+                <a:off x="1577852" y="3601616"/>
+                <a:ext cx="111759" cy="528529"/>
+              </a:xfrm>
+              <a:prstGeom prst="leftBracket">
+                <a:avLst>
+                  <a:gd name="adj" fmla="val 55432"/>
+                </a:avLst>
+              </a:prstGeom>
+              <a:ln w="19050" cmpd="sng">
+                <a:solidFill>
+                  <a:srgbClr val="55A8FF"/>
+                </a:solidFill>
+              </a:ln>
+              <a:effectLst/>
+            </p:spPr>
+            <p:style>
+              <a:lnRef idx="2">
+                <a:schemeClr val="accent1"/>
+              </a:lnRef>
+              <a:fillRef idx="0">
+                <a:schemeClr val="accent1"/>
+              </a:fillRef>
+              <a:effectRef idx="1">
+                <a:schemeClr val="accent1"/>
+              </a:effectRef>
+              <a:fontRef idx="minor">
+                <a:schemeClr val="tx1"/>
+              </a:fontRef>
+            </p:style>
+            <p:txBody>
+              <a:bodyPr rtlCol="0" anchor="ctr"/>
+              <a:lstStyle/>
+              <a:p>
+                <a:pPr algn="ctr"/>
+                <a:endParaRPr lang="en-US"/>
+              </a:p>
+            </p:txBody>
+          </p:sp>
+          <p:cxnSp>
+            <p:nvCxnSpPr>
+              <p:cNvPr id="87" name="Straight Connector 86"/>
+              <p:cNvCxnSpPr/>
+              <p:nvPr/>
+            </p:nvCxnSpPr>
+            <p:spPr>
+              <a:xfrm>
+                <a:off x="1908156" y="4003039"/>
+                <a:ext cx="0" cy="711200"/>
+              </a:xfrm>
+              <a:prstGeom prst="line">
+                <a:avLst/>
+              </a:prstGeom>
+              <a:ln w="12700" cmpd="sng">
+                <a:solidFill>
+                  <a:srgbClr val="55A8FF"/>
+                </a:solidFill>
+                <a:prstDash val="sysDash"/>
+              </a:ln>
+              <a:effectLst/>
+            </p:spPr>
+            <p:style>
+              <a:lnRef idx="2">
+                <a:schemeClr val="accent1"/>
+              </a:lnRef>
+              <a:fillRef idx="0">
+                <a:schemeClr val="accent1"/>
+              </a:fillRef>
+              <a:effectRef idx="1">
+                <a:schemeClr val="accent1"/>
+              </a:effectRef>
+              <a:fontRef idx="minor">
+                <a:schemeClr val="tx1"/>
+              </a:fontRef>
+            </p:style>
+          </p:cxnSp>
+          <p:cxnSp>
+            <p:nvCxnSpPr>
+              <p:cNvPr id="89" name="Straight Connector 88"/>
+              <p:cNvCxnSpPr/>
+              <p:nvPr/>
+            </p:nvCxnSpPr>
+            <p:spPr>
+              <a:xfrm>
+                <a:off x="2100138" y="4003039"/>
+                <a:ext cx="0" cy="711200"/>
+              </a:xfrm>
+              <a:prstGeom prst="line">
+                <a:avLst/>
+              </a:prstGeom>
+              <a:ln w="12700" cmpd="sng">
+                <a:solidFill>
+                  <a:srgbClr val="55A8FF"/>
+                </a:solidFill>
+                <a:prstDash val="sysDash"/>
+              </a:ln>
+              <a:effectLst/>
+            </p:spPr>
+            <p:style>
+              <a:lnRef idx="2">
+                <a:schemeClr val="accent1"/>
+              </a:lnRef>
+              <a:fillRef idx="0">
+                <a:schemeClr val="accent1"/>
+              </a:fillRef>
+              <a:effectRef idx="1">
+                <a:schemeClr val="accent1"/>
+              </a:effectRef>
+              <a:fontRef idx="minor">
+                <a:schemeClr val="tx1"/>
+              </a:fontRef>
+            </p:style>
+          </p:cxnSp>
+          <p:cxnSp>
+            <p:nvCxnSpPr>
+              <p:cNvPr id="90" name="Straight Connector 89"/>
+              <p:cNvCxnSpPr/>
+              <p:nvPr/>
+            </p:nvCxnSpPr>
+            <p:spPr>
+              <a:xfrm>
+                <a:off x="2471821" y="3992879"/>
+                <a:ext cx="0" cy="711200"/>
+              </a:xfrm>
+              <a:prstGeom prst="line">
+                <a:avLst/>
+              </a:prstGeom>
+              <a:ln w="12700" cmpd="sng">
+                <a:solidFill>
+                  <a:srgbClr val="55A8FF"/>
+                </a:solidFill>
+                <a:prstDash val="sysDash"/>
+              </a:ln>
+              <a:effectLst/>
+            </p:spPr>
+            <p:style>
+              <a:lnRef idx="2">
+                <a:schemeClr val="accent1"/>
+              </a:lnRef>
+              <a:fillRef idx="0">
+                <a:schemeClr val="accent1"/>
+              </a:fillRef>
+              <a:effectRef idx="1">
+                <a:schemeClr val="accent1"/>
+              </a:effectRef>
+              <a:fontRef idx="minor">
+                <a:schemeClr val="tx1"/>
+              </a:fontRef>
+            </p:style>
+          </p:cxnSp>
+          <p:cxnSp>
+            <p:nvCxnSpPr>
+              <p:cNvPr id="91" name="Straight Connector 90"/>
+              <p:cNvCxnSpPr/>
+              <p:nvPr/>
+            </p:nvCxnSpPr>
+            <p:spPr>
+              <a:xfrm>
+                <a:off x="2846683" y="3992879"/>
+                <a:ext cx="0" cy="711200"/>
+              </a:xfrm>
+              <a:prstGeom prst="line">
+                <a:avLst/>
+              </a:prstGeom>
+              <a:ln w="12700" cmpd="sng">
+                <a:solidFill>
+                  <a:srgbClr val="55A8FF"/>
+                </a:solidFill>
+                <a:prstDash val="sysDash"/>
+              </a:ln>
+              <a:effectLst/>
+            </p:spPr>
+            <p:style>
+              <a:lnRef idx="2">
+                <a:schemeClr val="accent1"/>
+              </a:lnRef>
+              <a:fillRef idx="0">
+                <a:schemeClr val="accent1"/>
+              </a:fillRef>
+              <a:effectRef idx="1">
+                <a:schemeClr val="accent1"/>
+              </a:effectRef>
+              <a:fontRef idx="minor">
+                <a:schemeClr val="tx1"/>
+              </a:fontRef>
+            </p:style>
+          </p:cxnSp>
+          <p:cxnSp>
+            <p:nvCxnSpPr>
+              <p:cNvPr id="92" name="Straight Connector 91"/>
+              <p:cNvCxnSpPr/>
+              <p:nvPr/>
+            </p:nvCxnSpPr>
+            <p:spPr>
+              <a:xfrm>
+                <a:off x="3025119" y="4003039"/>
+                <a:ext cx="0" cy="711200"/>
+              </a:xfrm>
+              <a:prstGeom prst="line">
+                <a:avLst/>
+              </a:prstGeom>
+              <a:ln w="12700" cmpd="sng">
+                <a:solidFill>
+                  <a:srgbClr val="55A8FF"/>
+                </a:solidFill>
+                <a:prstDash val="sysDash"/>
+              </a:ln>
+              <a:effectLst/>
+            </p:spPr>
+            <p:style>
+              <a:lnRef idx="2">
+                <a:schemeClr val="accent1"/>
+              </a:lnRef>
+              <a:fillRef idx="0">
+                <a:schemeClr val="accent1"/>
+              </a:fillRef>
+              <a:effectRef idx="1">
+                <a:schemeClr val="accent1"/>
+              </a:effectRef>
+              <a:fontRef idx="minor">
+                <a:schemeClr val="tx1"/>
+              </a:fontRef>
+            </p:style>
+          </p:cxnSp>
+          <p:cxnSp>
+            <p:nvCxnSpPr>
+              <p:cNvPr id="93" name="Straight Connector 92"/>
+              <p:cNvCxnSpPr/>
+              <p:nvPr/>
+            </p:nvCxnSpPr>
+            <p:spPr>
+              <a:xfrm>
+                <a:off x="4337455" y="3992879"/>
+                <a:ext cx="0" cy="711200"/>
+              </a:xfrm>
+              <a:prstGeom prst="line">
+                <a:avLst/>
+              </a:prstGeom>
+              <a:ln w="12700" cmpd="sng">
+                <a:solidFill>
+                  <a:srgbClr val="55A8FF"/>
+                </a:solidFill>
+                <a:prstDash val="sysDash"/>
+              </a:ln>
+              <a:effectLst/>
+            </p:spPr>
+            <p:style>
+              <a:lnRef idx="2">
+                <a:schemeClr val="accent1"/>
+              </a:lnRef>
+              <a:fillRef idx="0">
+                <a:schemeClr val="accent1"/>
+              </a:fillRef>
+              <a:effectRef idx="1">
+                <a:schemeClr val="accent1"/>
+              </a:effectRef>
+              <a:fontRef idx="minor">
+                <a:schemeClr val="tx1"/>
+              </a:fontRef>
+            </p:style>
+          </p:cxnSp>
+          <p:cxnSp>
+            <p:nvCxnSpPr>
+              <p:cNvPr id="94" name="Straight Connector 93"/>
+              <p:cNvCxnSpPr/>
+              <p:nvPr/>
+            </p:nvCxnSpPr>
+            <p:spPr>
+              <a:xfrm>
+                <a:off x="3578624" y="3992879"/>
+                <a:ext cx="0" cy="711200"/>
+              </a:xfrm>
+              <a:prstGeom prst="line">
+                <a:avLst/>
+              </a:prstGeom>
+              <a:ln w="12700" cmpd="sng">
+                <a:solidFill>
+                  <a:srgbClr val="55A8FF"/>
+                </a:solidFill>
+                <a:prstDash val="sysDash"/>
+              </a:ln>
+              <a:effectLst/>
+            </p:spPr>
+            <p:style>
+              <a:lnRef idx="2">
+                <a:schemeClr val="accent1"/>
+              </a:lnRef>
+              <a:fillRef idx="0">
+                <a:schemeClr val="accent1"/>
+              </a:fillRef>
+              <a:effectRef idx="1">
+                <a:schemeClr val="accent1"/>
+              </a:effectRef>
+              <a:fontRef idx="minor">
+                <a:schemeClr val="tx1"/>
+              </a:fontRef>
+            </p:style>
+          </p:cxnSp>
+          <p:cxnSp>
+            <p:nvCxnSpPr>
+              <p:cNvPr id="95" name="Straight Connector 94"/>
+              <p:cNvCxnSpPr/>
+              <p:nvPr/>
+            </p:nvCxnSpPr>
+            <p:spPr>
+              <a:xfrm>
+                <a:off x="4142717" y="3992879"/>
+                <a:ext cx="0" cy="711200"/>
+              </a:xfrm>
+              <a:prstGeom prst="line">
+                <a:avLst/>
+              </a:prstGeom>
+              <a:ln w="12700" cmpd="sng">
+                <a:solidFill>
+                  <a:srgbClr val="55A8FF"/>
+                </a:solidFill>
+                <a:prstDash val="sysDash"/>
+              </a:ln>
+              <a:effectLst/>
+            </p:spPr>
+            <p:style>
+              <a:lnRef idx="2">
+                <a:schemeClr val="accent1"/>
+              </a:lnRef>
+              <a:fillRef idx="0">
+                <a:schemeClr val="accent1"/>
+              </a:fillRef>
+              <a:effectRef idx="1">
+                <a:schemeClr val="accent1"/>
+              </a:effectRef>
+              <a:fontRef idx="minor">
+                <a:schemeClr val="tx1"/>
+              </a:fontRef>
+            </p:style>
+          </p:cxnSp>
+          <p:cxnSp>
+            <p:nvCxnSpPr>
+              <p:cNvPr id="96" name="Straight Connector 95"/>
+              <p:cNvCxnSpPr/>
+              <p:nvPr/>
+            </p:nvCxnSpPr>
+            <p:spPr>
+              <a:xfrm>
+                <a:off x="4702159" y="3992879"/>
+                <a:ext cx="0" cy="711200"/>
+              </a:xfrm>
+              <a:prstGeom prst="line">
+                <a:avLst/>
+              </a:prstGeom>
+              <a:ln w="12700" cmpd="sng">
+                <a:solidFill>
+                  <a:srgbClr val="55A8FF"/>
+                </a:solidFill>
+                <a:prstDash val="sysDash"/>
+              </a:ln>
+              <a:effectLst/>
+            </p:spPr>
+            <p:style>
+              <a:lnRef idx="2">
+                <a:schemeClr val="accent1"/>
+              </a:lnRef>
+              <a:fillRef idx="0">
+                <a:schemeClr val="accent1"/>
+              </a:fillRef>
+              <a:effectRef idx="1">
+                <a:schemeClr val="accent1"/>
+              </a:effectRef>
+              <a:fontRef idx="minor">
+                <a:schemeClr val="tx1"/>
+              </a:fontRef>
+            </p:style>
+          </p:cxnSp>
+          <p:cxnSp>
+            <p:nvCxnSpPr>
+              <p:cNvPr id="98" name="Straight Connector 97"/>
+              <p:cNvCxnSpPr/>
+              <p:nvPr/>
+            </p:nvCxnSpPr>
+            <p:spPr>
+              <a:xfrm>
+                <a:off x="5058373" y="3992879"/>
+                <a:ext cx="0" cy="711200"/>
+              </a:xfrm>
+              <a:prstGeom prst="line">
+                <a:avLst/>
+              </a:prstGeom>
+              <a:ln w="12700" cmpd="sng">
+                <a:solidFill>
+                  <a:srgbClr val="55A8FF"/>
+                </a:solidFill>
+                <a:prstDash val="sysDash"/>
+              </a:ln>
+              <a:effectLst/>
+            </p:spPr>
+            <p:style>
+              <a:lnRef idx="2">
+                <a:schemeClr val="accent1"/>
+              </a:lnRef>
+              <a:fillRef idx="0">
+                <a:schemeClr val="accent1"/>
+              </a:fillRef>
+              <a:effectRef idx="1">
+                <a:schemeClr val="accent1"/>
+              </a:effectRef>
+              <a:fontRef idx="minor">
+                <a:schemeClr val="tx1"/>
+              </a:fontRef>
+            </p:style>
+          </p:cxnSp>
+          <p:cxnSp>
+            <p:nvCxnSpPr>
+              <p:cNvPr id="99" name="Straight Connector 98"/>
+              <p:cNvCxnSpPr/>
+              <p:nvPr/>
+            </p:nvCxnSpPr>
+            <p:spPr>
+              <a:xfrm>
+                <a:off x="5252182" y="3992879"/>
+                <a:ext cx="0" cy="711200"/>
+              </a:xfrm>
+              <a:prstGeom prst="line">
+                <a:avLst/>
+              </a:prstGeom>
+              <a:ln w="12700" cmpd="sng">
+                <a:solidFill>
+                  <a:srgbClr val="55A8FF"/>
+                </a:solidFill>
+                <a:prstDash val="sysDash"/>
+              </a:ln>
+              <a:effectLst/>
+            </p:spPr>
+            <p:style>
+              <a:lnRef idx="2">
+                <a:schemeClr val="accent1"/>
+              </a:lnRef>
+              <a:fillRef idx="0">
+                <a:schemeClr val="accent1"/>
+              </a:fillRef>
+              <a:effectRef idx="1">
+                <a:schemeClr val="accent1"/>
+              </a:effectRef>
+              <a:fontRef idx="minor">
+                <a:schemeClr val="tx1"/>
+              </a:fontRef>
+            </p:style>
+          </p:cxnSp>
+          <p:sp>
+            <p:nvSpPr>
+              <p:cNvPr id="100" name="Left Bracket 99"/>
+              <p:cNvSpPr/>
+              <p:nvPr/>
+            </p:nvSpPr>
+            <p:spPr>
+              <a:xfrm rot="5400000" flipV="1">
+                <a:off x="1948266" y="3759727"/>
+                <a:ext cx="111759" cy="212305"/>
+              </a:xfrm>
+              <a:prstGeom prst="leftBracket">
+                <a:avLst>
+                  <a:gd name="adj" fmla="val 55432"/>
+                </a:avLst>
+              </a:prstGeom>
+              <a:ln w="19050" cmpd="sng">
+                <a:solidFill>
+                  <a:srgbClr val="55A8FF"/>
+                </a:solidFill>
+              </a:ln>
+              <a:effectLst/>
+            </p:spPr>
+            <p:style>
+              <a:lnRef idx="2">
+                <a:schemeClr val="accent1"/>
+              </a:lnRef>
+              <a:fillRef idx="0">
+                <a:schemeClr val="accent1"/>
+              </a:fillRef>
+              <a:effectRef idx="1">
+                <a:schemeClr val="accent1"/>
+              </a:effectRef>
+              <a:fontRef idx="minor">
+                <a:schemeClr val="tx1"/>
+              </a:fontRef>
+            </p:style>
+            <p:txBody>
+              <a:bodyPr rtlCol="0" anchor="ctr"/>
+              <a:lstStyle/>
+              <a:p>
+                <a:pPr algn="ctr"/>
+                <a:endParaRPr lang="en-US"/>
+              </a:p>
+            </p:txBody>
+          </p:sp>
+          <p:sp>
+            <p:nvSpPr>
+              <p:cNvPr id="102" name="Left Bracket 101"/>
+              <p:cNvSpPr/>
+              <p:nvPr/>
+            </p:nvSpPr>
+            <p:spPr>
+              <a:xfrm rot="5400000" flipV="1">
+                <a:off x="2235181" y="3685118"/>
+                <a:ext cx="111758" cy="361523"/>
+              </a:xfrm>
+              <a:prstGeom prst="leftBracket">
+                <a:avLst>
+                  <a:gd name="adj" fmla="val 55432"/>
+                </a:avLst>
+              </a:prstGeom>
+              <a:ln w="19050" cmpd="sng">
+                <a:solidFill>
+                  <a:srgbClr val="55A8FF"/>
+                </a:solidFill>
+              </a:ln>
+              <a:effectLst/>
+            </p:spPr>
+            <p:style>
+              <a:lnRef idx="2">
+                <a:schemeClr val="accent1"/>
+              </a:lnRef>
+              <a:fillRef idx="0">
+                <a:schemeClr val="accent1"/>
+              </a:fillRef>
+              <a:effectRef idx="1">
+                <a:schemeClr val="accent1"/>
+              </a:effectRef>
+              <a:fontRef idx="minor">
+                <a:schemeClr val="tx1"/>
+              </a:fontRef>
+            </p:style>
+            <p:txBody>
+              <a:bodyPr rtlCol="0" anchor="ctr"/>
+              <a:lstStyle/>
+              <a:p>
+                <a:pPr algn="ctr"/>
+                <a:endParaRPr lang="en-US"/>
+              </a:p>
+            </p:txBody>
+          </p:sp>
+          <p:sp>
+            <p:nvSpPr>
+              <p:cNvPr id="103" name="Left Bracket 102"/>
+              <p:cNvSpPr/>
+              <p:nvPr/>
+            </p:nvSpPr>
+            <p:spPr>
+              <a:xfrm rot="5400000" flipV="1">
+                <a:off x="2602844" y="3677922"/>
+                <a:ext cx="111759" cy="375918"/>
+              </a:xfrm>
+              <a:prstGeom prst="leftBracket">
+                <a:avLst>
+                  <a:gd name="adj" fmla="val 55432"/>
+                </a:avLst>
+              </a:prstGeom>
+              <a:ln w="19050" cmpd="sng">
+                <a:solidFill>
+                  <a:srgbClr val="55A8FF"/>
+                </a:solidFill>
+              </a:ln>
+              <a:effectLst/>
+            </p:spPr>
+            <p:style>
+              <a:lnRef idx="2">
+                <a:schemeClr val="accent1"/>
+              </a:lnRef>
+              <a:fillRef idx="0">
+                <a:schemeClr val="accent1"/>
+              </a:fillRef>
+              <a:effectRef idx="1">
+                <a:schemeClr val="accent1"/>
+              </a:effectRef>
+              <a:fontRef idx="minor">
+                <a:schemeClr val="tx1"/>
+              </a:fontRef>
+            </p:style>
+            <p:txBody>
+              <a:bodyPr rtlCol="0" anchor="ctr"/>
+              <a:lstStyle/>
+              <a:p>
+                <a:pPr algn="ctr"/>
+                <a:endParaRPr lang="en-US"/>
+              </a:p>
+            </p:txBody>
+          </p:sp>
+          <p:sp>
+            <p:nvSpPr>
+              <p:cNvPr id="104" name="Left Bracket 103"/>
+              <p:cNvSpPr/>
+              <p:nvPr/>
+            </p:nvSpPr>
+            <p:spPr>
+              <a:xfrm rot="5400000" flipV="1">
+                <a:off x="3247135" y="3590271"/>
+                <a:ext cx="111755" cy="551222"/>
+              </a:xfrm>
+              <a:prstGeom prst="leftBracket">
+                <a:avLst>
+                  <a:gd name="adj" fmla="val 55432"/>
+                </a:avLst>
+              </a:prstGeom>
+              <a:ln w="19050" cmpd="sng">
+                <a:solidFill>
+                  <a:srgbClr val="55A8FF"/>
+                </a:solidFill>
+              </a:ln>
+              <a:effectLst/>
+            </p:spPr>
+            <p:style>
+              <a:lnRef idx="2">
+                <a:schemeClr val="accent1"/>
+              </a:lnRef>
+              <a:fillRef idx="0">
+                <a:schemeClr val="accent1"/>
+              </a:fillRef>
+              <a:effectRef idx="1">
+                <a:schemeClr val="accent1"/>
+              </a:effectRef>
+              <a:fontRef idx="minor">
+                <a:schemeClr val="tx1"/>
+              </a:fontRef>
+            </p:style>
+            <p:txBody>
+              <a:bodyPr rtlCol="0" anchor="ctr"/>
+              <a:lstStyle/>
+              <a:p>
+                <a:pPr algn="ctr"/>
+                <a:endParaRPr lang="en-US"/>
+              </a:p>
+            </p:txBody>
+          </p:sp>
+          <p:sp>
+            <p:nvSpPr>
+              <p:cNvPr id="105" name="Left Bracket 104"/>
+              <p:cNvSpPr/>
+              <p:nvPr/>
+            </p:nvSpPr>
+            <p:spPr>
+              <a:xfrm rot="5400000" flipV="1">
+                <a:off x="2880025" y="3776665"/>
+                <a:ext cx="111753" cy="178436"/>
+              </a:xfrm>
+              <a:prstGeom prst="leftBracket">
+                <a:avLst>
+                  <a:gd name="adj" fmla="val 55432"/>
+                </a:avLst>
+              </a:prstGeom>
+              <a:ln w="19050" cmpd="sng">
+                <a:solidFill>
+                  <a:srgbClr val="55A8FF"/>
+                </a:solidFill>
+              </a:ln>
+              <a:effectLst/>
+            </p:spPr>
+            <p:style>
+              <a:lnRef idx="2">
+                <a:schemeClr val="accent1"/>
+              </a:lnRef>
+              <a:fillRef idx="0">
+                <a:schemeClr val="accent1"/>
+              </a:fillRef>
+              <a:effectRef idx="1">
+                <a:schemeClr val="accent1"/>
+              </a:effectRef>
+              <a:fontRef idx="minor">
+                <a:schemeClr val="tx1"/>
+              </a:fontRef>
+            </p:style>
+            <p:txBody>
+              <a:bodyPr rtlCol="0" anchor="ctr"/>
+              <a:lstStyle/>
+              <a:p>
+                <a:pPr algn="ctr"/>
+                <a:endParaRPr lang="en-US"/>
+              </a:p>
+            </p:txBody>
+          </p:sp>
+          <p:sp>
+            <p:nvSpPr>
+              <p:cNvPr id="106" name="Left Bracket 105"/>
+              <p:cNvSpPr/>
+              <p:nvPr/>
+            </p:nvSpPr>
+            <p:spPr>
+              <a:xfrm rot="5400000" flipV="1">
+                <a:off x="3804794" y="3583836"/>
+                <a:ext cx="111756" cy="564094"/>
+              </a:xfrm>
+              <a:prstGeom prst="leftBracket">
+                <a:avLst>
+                  <a:gd name="adj" fmla="val 55432"/>
+                </a:avLst>
+              </a:prstGeom>
+              <a:ln w="19050" cmpd="sng">
+                <a:solidFill>
+                  <a:srgbClr val="55A8FF"/>
+                </a:solidFill>
+              </a:ln>
+              <a:effectLst/>
+            </p:spPr>
+            <p:style>
+              <a:lnRef idx="2">
+                <a:schemeClr val="accent1"/>
+              </a:lnRef>
+              <a:fillRef idx="0">
+                <a:schemeClr val="accent1"/>
+              </a:fillRef>
+              <a:effectRef idx="1">
+                <a:schemeClr val="accent1"/>
+              </a:effectRef>
+              <a:fontRef idx="minor">
+                <a:schemeClr val="tx1"/>
+              </a:fontRef>
+            </p:style>
+            <p:txBody>
+              <a:bodyPr rtlCol="0" anchor="ctr"/>
+              <a:lstStyle/>
+              <a:p>
+                <a:pPr algn="ctr"/>
+                <a:endParaRPr lang="en-US"/>
+              </a:p>
+            </p:txBody>
+          </p:sp>
+          <p:sp>
+            <p:nvSpPr>
+              <p:cNvPr id="107" name="Left Bracket 106"/>
+              <p:cNvSpPr/>
+              <p:nvPr/>
+            </p:nvSpPr>
+            <p:spPr>
+              <a:xfrm rot="5400000" flipV="1">
+                <a:off x="4184210" y="3768514"/>
+                <a:ext cx="111755" cy="194739"/>
+              </a:xfrm>
+              <a:prstGeom prst="leftBracket">
+                <a:avLst>
+                  <a:gd name="adj" fmla="val 55432"/>
+                </a:avLst>
+              </a:prstGeom>
+              <a:ln w="19050" cmpd="sng">
+                <a:solidFill>
+                  <a:srgbClr val="55A8FF"/>
+                </a:solidFill>
+              </a:ln>
+              <a:effectLst/>
+            </p:spPr>
+            <p:style>
+              <a:lnRef idx="2">
+                <a:schemeClr val="accent1"/>
+              </a:lnRef>
+              <a:fillRef idx="0">
+                <a:schemeClr val="accent1"/>
+              </a:fillRef>
+              <a:effectRef idx="1">
+                <a:schemeClr val="accent1"/>
+              </a:effectRef>
+              <a:fontRef idx="minor">
+                <a:schemeClr val="tx1"/>
+              </a:fontRef>
+            </p:style>
+            <p:txBody>
+              <a:bodyPr rtlCol="0" anchor="ctr"/>
+              <a:lstStyle/>
+              <a:p>
+                <a:pPr algn="ctr"/>
+                <a:endParaRPr lang="en-US"/>
+              </a:p>
+            </p:txBody>
+          </p:sp>
+          <p:sp>
+            <p:nvSpPr>
+              <p:cNvPr id="108" name="Left Bracket 107"/>
+              <p:cNvSpPr/>
+              <p:nvPr/>
+            </p:nvSpPr>
+            <p:spPr>
+              <a:xfrm rot="5400000" flipV="1">
+                <a:off x="4466161" y="3685762"/>
+                <a:ext cx="111761" cy="360235"/>
+              </a:xfrm>
+              <a:prstGeom prst="leftBracket">
+                <a:avLst>
+                  <a:gd name="adj" fmla="val 55432"/>
+                </a:avLst>
+              </a:prstGeom>
+              <a:ln w="19050" cmpd="sng">
+                <a:solidFill>
+                  <a:srgbClr val="55A8FF"/>
+                </a:solidFill>
+              </a:ln>
+              <a:effectLst/>
+            </p:spPr>
+            <p:style>
+              <a:lnRef idx="2">
+                <a:schemeClr val="accent1"/>
+              </a:lnRef>
+              <a:fillRef idx="0">
+                <a:schemeClr val="accent1"/>
+              </a:fillRef>
+              <a:effectRef idx="1">
+                <a:schemeClr val="accent1"/>
+              </a:effectRef>
+              <a:fontRef idx="minor">
+                <a:schemeClr val="tx1"/>
+              </a:fontRef>
+            </p:style>
+            <p:txBody>
+              <a:bodyPr rtlCol="0" anchor="ctr"/>
+              <a:lstStyle/>
+              <a:p>
+                <a:pPr algn="ctr"/>
+                <a:endParaRPr lang="en-US"/>
+              </a:p>
+            </p:txBody>
+          </p:sp>
+          <p:sp>
+            <p:nvSpPr>
+              <p:cNvPr id="109" name="Left Bracket 108"/>
+              <p:cNvSpPr/>
+              <p:nvPr/>
+            </p:nvSpPr>
+            <p:spPr>
+              <a:xfrm rot="5400000" flipV="1">
+                <a:off x="5099402" y="3768980"/>
+                <a:ext cx="111754" cy="193810"/>
+              </a:xfrm>
+              <a:prstGeom prst="leftBracket">
+                <a:avLst>
+                  <a:gd name="adj" fmla="val 55432"/>
+                </a:avLst>
+              </a:prstGeom>
+              <a:ln w="19050" cmpd="sng">
+                <a:solidFill>
+                  <a:srgbClr val="55A8FF"/>
+                </a:solidFill>
+              </a:ln>
+              <a:effectLst/>
+            </p:spPr>
+            <p:style>
+              <a:lnRef idx="2">
+                <a:schemeClr val="accent1"/>
+              </a:lnRef>
+              <a:fillRef idx="0">
+                <a:schemeClr val="accent1"/>
+              </a:fillRef>
+              <a:effectRef idx="1">
+                <a:schemeClr val="accent1"/>
+              </a:effectRef>
+              <a:fontRef idx="minor">
+                <a:schemeClr val="tx1"/>
+              </a:fontRef>
+            </p:style>
+            <p:txBody>
+              <a:bodyPr rtlCol="0" anchor="ctr"/>
+              <a:lstStyle/>
+              <a:p>
+                <a:pPr algn="ctr"/>
+                <a:endParaRPr lang="en-US"/>
+              </a:p>
+            </p:txBody>
+          </p:sp>
+          <p:sp>
+            <p:nvSpPr>
+              <p:cNvPr id="110" name="Left Bracket 109"/>
+              <p:cNvSpPr/>
+              <p:nvPr/>
+            </p:nvSpPr>
+            <p:spPr>
+              <a:xfrm rot="5400000" flipV="1">
+                <a:off x="4828331" y="3694000"/>
+                <a:ext cx="111752" cy="343771"/>
+              </a:xfrm>
+              <a:prstGeom prst="leftBracket">
+                <a:avLst>
+                  <a:gd name="adj" fmla="val 55432"/>
+                </a:avLst>
+              </a:prstGeom>
+              <a:ln w="19050" cmpd="sng">
+                <a:solidFill>
+                  <a:srgbClr val="55A8FF"/>
+                </a:solidFill>
+              </a:ln>
+              <a:effectLst/>
+            </p:spPr>
+            <p:style>
+              <a:lnRef idx="2">
+                <a:schemeClr val="accent1"/>
+              </a:lnRef>
+              <a:fillRef idx="0">
+                <a:schemeClr val="accent1"/>
+              </a:fillRef>
+              <a:effectRef idx="1">
+                <a:schemeClr val="accent1"/>
+              </a:effectRef>
+              <a:fontRef idx="minor">
+                <a:schemeClr val="tx1"/>
+              </a:fontRef>
+            </p:style>
+            <p:txBody>
+              <a:bodyPr rtlCol="0" anchor="ctr"/>
+              <a:lstStyle/>
+              <a:p>
+                <a:pPr algn="ctr"/>
+                <a:endParaRPr lang="en-US"/>
+              </a:p>
+            </p:txBody>
+          </p:sp>
+          <p:sp>
+            <p:nvSpPr>
+              <p:cNvPr id="111" name="Left Bracket 110"/>
+              <p:cNvSpPr/>
+              <p:nvPr/>
+            </p:nvSpPr>
+            <p:spPr>
+              <a:xfrm rot="5400000" flipV="1">
+                <a:off x="5480399" y="3583713"/>
+                <a:ext cx="111752" cy="564340"/>
+              </a:xfrm>
+              <a:prstGeom prst="leftBracket">
+                <a:avLst>
+                  <a:gd name="adj" fmla="val 55432"/>
+                </a:avLst>
+              </a:prstGeom>
+              <a:ln w="19050" cmpd="sng">
+                <a:solidFill>
+                  <a:srgbClr val="55A8FF"/>
+                </a:solidFill>
+              </a:ln>
+              <a:effectLst/>
+            </p:spPr>
+            <p:style>
+              <a:lnRef idx="2">
+                <a:schemeClr val="accent1"/>
+              </a:lnRef>
+              <a:fillRef idx="0">
+                <a:schemeClr val="accent1"/>
+              </a:fillRef>
+              <a:effectRef idx="1">
+                <a:schemeClr val="accent1"/>
+              </a:effectRef>
+              <a:fontRef idx="minor">
+                <a:schemeClr val="tx1"/>
+              </a:fontRef>
+            </p:style>
+            <p:txBody>
+              <a:bodyPr rtlCol="0" anchor="ctr"/>
+              <a:lstStyle/>
+              <a:p>
+                <a:pPr algn="ctr"/>
+                <a:endParaRPr lang="en-US"/>
+              </a:p>
+            </p:txBody>
+          </p:sp>
+          <p:sp>
+            <p:nvSpPr>
+              <p:cNvPr id="112" name="TextBox 111"/>
+              <p:cNvSpPr txBox="1"/>
+              <p:nvPr/>
+            </p:nvSpPr>
+            <p:spPr>
+              <a:xfrm>
+                <a:off x="8187535" y="4113014"/>
+                <a:ext cx="359481" cy="369332"/>
+              </a:xfrm>
+              <a:prstGeom prst="rect">
+                <a:avLst/>
+              </a:prstGeom>
+              <a:noFill/>
+            </p:spPr>
+            <p:txBody>
+              <a:bodyPr wrap="none" rtlCol="0">
+                <a:spAutoFit/>
+              </a:bodyPr>
+              <a:lstStyle/>
+              <a:p>
+                <a:r>
+                  <a:rPr lang="en-US" dirty="0" smtClean="0"/>
+                  <a:t>...</a:t>
+                </a:r>
+                <a:endParaRPr lang="en-US" dirty="0"/>
+              </a:p>
+            </p:txBody>
+          </p:sp>
+          <p:sp>
+            <p:nvSpPr>
+              <p:cNvPr id="114" name="TextBox 113"/>
+              <p:cNvSpPr txBox="1"/>
+              <p:nvPr/>
+            </p:nvSpPr>
+            <p:spPr>
+              <a:xfrm>
+                <a:off x="1504889" y="3021477"/>
+                <a:ext cx="263301" cy="738664"/>
+              </a:xfrm>
+              <a:prstGeom prst="rect">
+                <a:avLst/>
+              </a:prstGeom>
+              <a:noFill/>
+            </p:spPr>
+            <p:txBody>
+              <a:bodyPr wrap="none" rtlCol="0">
+                <a:spAutoFit/>
+              </a:bodyPr>
+              <a:lstStyle/>
+              <a:p>
+                <a:r>
+                  <a:rPr lang="en-US" sz="1050" dirty="0" smtClean="0">
+                    <a:latin typeface="Helvetica"/>
+                    <a:cs typeface="Helvetica"/>
+                  </a:rPr>
+                  <a:t>+</a:t>
+                </a:r>
+              </a:p>
+              <a:p>
+                <a:r>
+                  <a:rPr lang="en-US" sz="1050" dirty="0" smtClean="0">
+                    <a:latin typeface="Helvetica"/>
+                    <a:cs typeface="Helvetica"/>
+                  </a:rPr>
+                  <a:t>+</a:t>
+                </a:r>
+              </a:p>
+              <a:p>
+                <a:r>
+                  <a:rPr lang="en-US" sz="1050" dirty="0" smtClean="0">
+                    <a:latin typeface="Helvetica"/>
+                    <a:cs typeface="Helvetica"/>
+                  </a:rPr>
+                  <a:t>+</a:t>
+                </a:r>
+              </a:p>
+              <a:p>
+                <a:r>
+                  <a:rPr lang="en-US" sz="1050" dirty="0">
+                    <a:latin typeface="Helvetica"/>
+                    <a:cs typeface="Helvetica"/>
+                  </a:rPr>
+                  <a:t>+</a:t>
+                </a:r>
+                <a:endParaRPr lang="en-US" sz="1050" dirty="0" smtClean="0">
+                  <a:latin typeface="Helvetica"/>
+                  <a:cs typeface="Helvetica"/>
+                </a:endParaRPr>
+              </a:p>
+            </p:txBody>
+          </p:sp>
+          <p:sp>
+            <p:nvSpPr>
+              <p:cNvPr id="115" name="TextBox 114"/>
+              <p:cNvSpPr txBox="1"/>
+              <p:nvPr/>
+            </p:nvSpPr>
+            <p:spPr>
+              <a:xfrm>
+                <a:off x="1882907" y="3021477"/>
+                <a:ext cx="263301" cy="738664"/>
+              </a:xfrm>
+              <a:prstGeom prst="rect">
+                <a:avLst/>
+              </a:prstGeom>
+              <a:noFill/>
+            </p:spPr>
+            <p:txBody>
+              <a:bodyPr wrap="none" rtlCol="0">
+                <a:spAutoFit/>
+              </a:bodyPr>
+              <a:lstStyle/>
+              <a:p>
+                <a:r>
+                  <a:rPr lang="en-US" sz="1050" dirty="0" smtClean="0">
+                    <a:latin typeface="Helvetica"/>
+                    <a:cs typeface="Helvetica"/>
+                  </a:rPr>
+                  <a:t>+</a:t>
+                </a:r>
+              </a:p>
+              <a:p>
+                <a:r>
+                  <a:rPr lang="en-US" sz="1050" dirty="0" smtClean="0">
+                    <a:latin typeface="Helvetica"/>
+                    <a:cs typeface="Helvetica"/>
+                  </a:rPr>
+                  <a:t>+</a:t>
+                </a:r>
+              </a:p>
+              <a:p>
+                <a:r>
+                  <a:rPr lang="en-US" sz="1050" dirty="0" smtClean="0">
+                    <a:latin typeface="Helvetica"/>
+                    <a:cs typeface="Helvetica"/>
+                  </a:rPr>
+                  <a:t>+</a:t>
+                </a:r>
+              </a:p>
+              <a:p>
+                <a:r>
+                  <a:rPr lang="en-US" sz="1050" dirty="0" smtClean="0">
+                    <a:latin typeface="Helvetica"/>
+                    <a:cs typeface="Helvetica"/>
+                  </a:rPr>
+                  <a:t>−</a:t>
+                </a:r>
+              </a:p>
+            </p:txBody>
+          </p:sp>
+          <p:sp>
+            <p:nvSpPr>
+              <p:cNvPr id="116" name="TextBox 115"/>
+              <p:cNvSpPr txBox="1"/>
+              <p:nvPr/>
+            </p:nvSpPr>
+            <p:spPr>
+              <a:xfrm>
+                <a:off x="2158396" y="3021477"/>
+                <a:ext cx="263301" cy="738664"/>
+              </a:xfrm>
+              <a:prstGeom prst="rect">
+                <a:avLst/>
+              </a:prstGeom>
+              <a:noFill/>
+            </p:spPr>
+            <p:txBody>
+              <a:bodyPr wrap="none" rtlCol="0">
+                <a:spAutoFit/>
+              </a:bodyPr>
+              <a:lstStyle/>
+              <a:p>
+                <a:r>
+                  <a:rPr lang="en-US" sz="1050" dirty="0" smtClean="0">
+                    <a:latin typeface="Helvetica"/>
+                    <a:cs typeface="Helvetica"/>
+                  </a:rPr>
+                  <a:t>+</a:t>
+                </a:r>
+              </a:p>
+              <a:p>
+                <a:r>
+                  <a:rPr lang="en-US" sz="1050" dirty="0" smtClean="0">
+                    <a:latin typeface="Helvetica"/>
+                    <a:cs typeface="Helvetica"/>
+                  </a:rPr>
+                  <a:t>+</a:t>
+                </a:r>
+              </a:p>
+              <a:p>
+                <a:r>
+                  <a:rPr lang="en-US" sz="1050" dirty="0">
+                    <a:latin typeface="Helvetica"/>
+                    <a:cs typeface="Helvetica"/>
+                  </a:rPr>
+                  <a:t>−</a:t>
+                </a:r>
+              </a:p>
+              <a:p>
+                <a:r>
+                  <a:rPr lang="en-US" sz="1050" dirty="0">
+                    <a:latin typeface="Helvetica"/>
+                    <a:cs typeface="Helvetica"/>
+                  </a:rPr>
+                  <a:t>−</a:t>
+                </a:r>
+              </a:p>
+            </p:txBody>
+          </p:sp>
+          <p:sp>
+            <p:nvSpPr>
+              <p:cNvPr id="117" name="TextBox 116"/>
+              <p:cNvSpPr txBox="1"/>
+              <p:nvPr/>
+            </p:nvSpPr>
+            <p:spPr>
+              <a:xfrm>
+                <a:off x="2516094" y="3021477"/>
+                <a:ext cx="263301" cy="738664"/>
+              </a:xfrm>
+              <a:prstGeom prst="rect">
+                <a:avLst/>
+              </a:prstGeom>
+              <a:noFill/>
+            </p:spPr>
+            <p:txBody>
+              <a:bodyPr wrap="none" rtlCol="0">
+                <a:spAutoFit/>
+              </a:bodyPr>
+              <a:lstStyle/>
+              <a:p>
+                <a:r>
+                  <a:rPr lang="en-US" sz="1050" dirty="0" smtClean="0">
+                    <a:latin typeface="Helvetica"/>
+                    <a:cs typeface="Helvetica"/>
+                  </a:rPr>
+                  <a:t>+</a:t>
+                </a:r>
+              </a:p>
+              <a:p>
+                <a:r>
+                  <a:rPr lang="en-US" sz="1050" dirty="0">
+                    <a:latin typeface="Helvetica"/>
+                    <a:cs typeface="Helvetica"/>
+                  </a:rPr>
+                  <a:t>−</a:t>
+                </a:r>
+              </a:p>
+              <a:p>
+                <a:r>
+                  <a:rPr lang="en-US" sz="1050" dirty="0">
+                    <a:latin typeface="Helvetica"/>
+                    <a:cs typeface="Helvetica"/>
+                  </a:rPr>
+                  <a:t>−</a:t>
+                </a:r>
+              </a:p>
+              <a:p>
+                <a:r>
+                  <a:rPr lang="en-US" sz="1050" dirty="0" smtClean="0">
+                    <a:latin typeface="Helvetica"/>
+                    <a:cs typeface="Helvetica"/>
+                  </a:rPr>
+                  <a:t>+</a:t>
+                </a:r>
+              </a:p>
+            </p:txBody>
+          </p:sp>
+          <p:sp>
+            <p:nvSpPr>
+              <p:cNvPr id="118" name="TextBox 117"/>
+              <p:cNvSpPr txBox="1"/>
+              <p:nvPr/>
+            </p:nvSpPr>
+            <p:spPr>
+              <a:xfrm>
+                <a:off x="2803041" y="3021477"/>
+                <a:ext cx="263301" cy="738664"/>
+              </a:xfrm>
+              <a:prstGeom prst="rect">
+                <a:avLst/>
+              </a:prstGeom>
+              <a:noFill/>
+            </p:spPr>
+            <p:txBody>
+              <a:bodyPr wrap="none" rtlCol="0">
+                <a:spAutoFit/>
+              </a:bodyPr>
+              <a:lstStyle/>
+              <a:p>
+                <a:r>
+                  <a:rPr lang="en-US" sz="1050" dirty="0" smtClean="0">
+                    <a:latin typeface="Helvetica"/>
+                    <a:cs typeface="Helvetica"/>
+                  </a:rPr>
+                  <a:t>+</a:t>
+                </a:r>
+              </a:p>
+              <a:p>
+                <a:r>
+                  <a:rPr lang="en-US" sz="1050" dirty="0">
+                    <a:latin typeface="Helvetica"/>
+                    <a:cs typeface="Helvetica"/>
+                  </a:rPr>
+                  <a:t>−</a:t>
+                </a:r>
+              </a:p>
+              <a:p>
+                <a:r>
+                  <a:rPr lang="en-US" sz="1050" dirty="0" smtClean="0">
+                    <a:latin typeface="Helvetica"/>
+                    <a:cs typeface="Helvetica"/>
+                  </a:rPr>
+                  <a:t>+</a:t>
+                </a:r>
+              </a:p>
+              <a:p>
+                <a:r>
+                  <a:rPr lang="en-US" sz="1050" dirty="0">
+                    <a:latin typeface="Helvetica"/>
+                    <a:cs typeface="Helvetica"/>
+                  </a:rPr>
+                  <a:t>+</a:t>
+                </a:r>
+                <a:endParaRPr lang="en-US" sz="1050" dirty="0" smtClean="0">
+                  <a:latin typeface="Helvetica"/>
+                  <a:cs typeface="Helvetica"/>
+                </a:endParaRPr>
+              </a:p>
+            </p:txBody>
+          </p:sp>
+          <p:sp>
+            <p:nvSpPr>
+              <p:cNvPr id="119" name="TextBox 118"/>
+              <p:cNvSpPr txBox="1"/>
+              <p:nvPr/>
+            </p:nvSpPr>
+            <p:spPr>
+              <a:xfrm>
+                <a:off x="3160739" y="3021477"/>
+                <a:ext cx="263301" cy="738664"/>
+              </a:xfrm>
+              <a:prstGeom prst="rect">
+                <a:avLst/>
+              </a:prstGeom>
+              <a:noFill/>
+            </p:spPr>
+            <p:txBody>
+              <a:bodyPr wrap="none" rtlCol="0">
+                <a:spAutoFit/>
+              </a:bodyPr>
+              <a:lstStyle/>
+              <a:p>
+                <a:r>
+                  <a:rPr lang="en-US" sz="1050" dirty="0" smtClean="0">
+                    <a:latin typeface="Helvetica"/>
+                    <a:cs typeface="Helvetica"/>
+                  </a:rPr>
+                  <a:t>+</a:t>
+                </a:r>
+              </a:p>
+              <a:p>
+                <a:r>
+                  <a:rPr lang="en-US" sz="1050" dirty="0">
+                    <a:latin typeface="Helvetica"/>
+                    <a:cs typeface="Helvetica"/>
+                  </a:rPr>
+                  <a:t>−</a:t>
+                </a:r>
+              </a:p>
+              <a:p>
+                <a:r>
+                  <a:rPr lang="en-US" sz="1050" dirty="0" smtClean="0">
+                    <a:latin typeface="Helvetica"/>
+                    <a:cs typeface="Helvetica"/>
+                  </a:rPr>
+                  <a:t>+</a:t>
+                </a:r>
+              </a:p>
+              <a:p>
+                <a:r>
+                  <a:rPr lang="en-US" sz="1050" dirty="0">
+                    <a:latin typeface="Helvetica"/>
+                    <a:cs typeface="Helvetica"/>
+                  </a:rPr>
+                  <a:t>−</a:t>
+                </a:r>
+              </a:p>
+            </p:txBody>
+          </p:sp>
+          <p:sp>
+            <p:nvSpPr>
+              <p:cNvPr id="120" name="TextBox 119"/>
+              <p:cNvSpPr txBox="1"/>
+              <p:nvPr/>
+            </p:nvSpPr>
+            <p:spPr>
+              <a:xfrm>
+                <a:off x="3730868" y="3021477"/>
+                <a:ext cx="263301" cy="738664"/>
+              </a:xfrm>
+              <a:prstGeom prst="rect">
+                <a:avLst/>
+              </a:prstGeom>
+              <a:noFill/>
+            </p:spPr>
+            <p:txBody>
+              <a:bodyPr wrap="none" rtlCol="0">
+                <a:spAutoFit/>
+              </a:bodyPr>
+              <a:lstStyle/>
+              <a:p>
+                <a:r>
+                  <a:rPr lang="en-US" sz="1050" dirty="0">
+                    <a:latin typeface="Helvetica"/>
+                    <a:cs typeface="Helvetica"/>
+                  </a:rPr>
+                  <a:t>−</a:t>
+                </a:r>
+              </a:p>
+              <a:p>
+                <a:r>
+                  <a:rPr lang="en-US" sz="1050" dirty="0" smtClean="0">
+                    <a:latin typeface="Helvetica"/>
+                    <a:cs typeface="Helvetica"/>
+                  </a:rPr>
+                  <a:t>+</a:t>
+                </a:r>
+              </a:p>
+              <a:p>
+                <a:r>
+                  <a:rPr lang="en-US" sz="1050" dirty="0">
+                    <a:latin typeface="Helvetica"/>
+                    <a:cs typeface="Helvetica"/>
+                  </a:rPr>
+                  <a:t>−</a:t>
+                </a:r>
+              </a:p>
+              <a:p>
+                <a:r>
+                  <a:rPr lang="en-US" sz="1050" dirty="0" smtClean="0">
+                    <a:latin typeface="Helvetica"/>
+                    <a:cs typeface="Helvetica"/>
+                  </a:rPr>
+                  <a:t>+</a:t>
+                </a:r>
+              </a:p>
+            </p:txBody>
+          </p:sp>
+          <p:sp>
+            <p:nvSpPr>
+              <p:cNvPr id="121" name="TextBox 120"/>
+              <p:cNvSpPr txBox="1"/>
+              <p:nvPr/>
+            </p:nvSpPr>
+            <p:spPr>
+              <a:xfrm>
+                <a:off x="4098726" y="3021477"/>
+                <a:ext cx="263301" cy="738664"/>
+              </a:xfrm>
+              <a:prstGeom prst="rect">
+                <a:avLst/>
+              </a:prstGeom>
+              <a:noFill/>
+            </p:spPr>
+            <p:txBody>
+              <a:bodyPr wrap="none" rtlCol="0">
+                <a:spAutoFit/>
+              </a:bodyPr>
+              <a:lstStyle/>
+              <a:p>
+                <a:r>
+                  <a:rPr lang="en-US" sz="1050" dirty="0">
+                    <a:latin typeface="Helvetica"/>
+                    <a:cs typeface="Helvetica"/>
+                  </a:rPr>
+                  <a:t>−</a:t>
+                </a:r>
+              </a:p>
+              <a:p>
+                <a:r>
+                  <a:rPr lang="en-US" sz="1050" dirty="0" smtClean="0">
+                    <a:latin typeface="Helvetica"/>
+                    <a:cs typeface="Helvetica"/>
+                  </a:rPr>
+                  <a:t>+</a:t>
+                </a:r>
+              </a:p>
+              <a:p>
+                <a:r>
+                  <a:rPr lang="en-US" sz="1050" dirty="0">
+                    <a:latin typeface="Helvetica"/>
+                    <a:cs typeface="Helvetica"/>
+                  </a:rPr>
+                  <a:t>−</a:t>
+                </a:r>
+              </a:p>
+              <a:p>
+                <a:r>
+                  <a:rPr lang="en-US" sz="1050" dirty="0">
+                    <a:latin typeface="Helvetica"/>
+                    <a:cs typeface="Helvetica"/>
+                  </a:rPr>
+                  <a:t>−</a:t>
+                </a:r>
+              </a:p>
+            </p:txBody>
+          </p:sp>
+          <p:sp>
+            <p:nvSpPr>
+              <p:cNvPr id="122" name="TextBox 121"/>
+              <p:cNvSpPr txBox="1"/>
+              <p:nvPr/>
+            </p:nvSpPr>
+            <p:spPr>
+              <a:xfrm>
+                <a:off x="4391538" y="3021477"/>
+                <a:ext cx="263301" cy="738664"/>
+              </a:xfrm>
+              <a:prstGeom prst="rect">
+                <a:avLst/>
+              </a:prstGeom>
+              <a:noFill/>
+            </p:spPr>
+            <p:txBody>
+              <a:bodyPr wrap="none" rtlCol="0">
+                <a:spAutoFit/>
+              </a:bodyPr>
+              <a:lstStyle/>
+              <a:p>
+                <a:r>
+                  <a:rPr lang="en-US" sz="1050" dirty="0">
+                    <a:latin typeface="Helvetica"/>
+                    <a:cs typeface="Helvetica"/>
+                  </a:rPr>
+                  <a:t>−</a:t>
+                </a:r>
+              </a:p>
+              <a:p>
+                <a:r>
+                  <a:rPr lang="en-US" sz="1050" dirty="0" smtClean="0">
+                    <a:latin typeface="Helvetica"/>
+                    <a:cs typeface="Helvetica"/>
+                  </a:rPr>
+                  <a:t>+</a:t>
+                </a:r>
+              </a:p>
+              <a:p>
+                <a:r>
+                  <a:rPr lang="en-US" sz="1050" dirty="0" smtClean="0">
+                    <a:latin typeface="Helvetica"/>
+                    <a:cs typeface="Helvetica"/>
+                  </a:rPr>
+                  <a:t>+</a:t>
+                </a:r>
+              </a:p>
+              <a:p>
+                <a:r>
+                  <a:rPr lang="en-US" sz="1050" dirty="0">
+                    <a:latin typeface="Helvetica"/>
+                    <a:cs typeface="Helvetica"/>
+                  </a:rPr>
+                  <a:t>−</a:t>
+                </a:r>
+              </a:p>
+            </p:txBody>
+          </p:sp>
+          <p:sp>
+            <p:nvSpPr>
+              <p:cNvPr id="123" name="TextBox 122"/>
+              <p:cNvSpPr txBox="1"/>
+              <p:nvPr/>
+            </p:nvSpPr>
+            <p:spPr>
+              <a:xfrm>
+                <a:off x="4759046" y="3021477"/>
+                <a:ext cx="263301" cy="738664"/>
+              </a:xfrm>
+              <a:prstGeom prst="rect">
+                <a:avLst/>
+              </a:prstGeom>
+              <a:noFill/>
+            </p:spPr>
+            <p:txBody>
+              <a:bodyPr wrap="none" rtlCol="0">
+                <a:spAutoFit/>
+              </a:bodyPr>
+              <a:lstStyle/>
+              <a:p>
+                <a:r>
+                  <a:rPr lang="en-US" sz="1050" dirty="0">
+                    <a:latin typeface="Helvetica"/>
+                    <a:cs typeface="Helvetica"/>
+                  </a:rPr>
+                  <a:t>−</a:t>
+                </a:r>
+              </a:p>
+              <a:p>
+                <a:r>
+                  <a:rPr lang="en-US" sz="1050" dirty="0">
+                    <a:latin typeface="Helvetica"/>
+                    <a:cs typeface="Helvetica"/>
+                  </a:rPr>
+                  <a:t>−</a:t>
+                </a:r>
+              </a:p>
+              <a:p>
+                <a:r>
+                  <a:rPr lang="en-US" sz="1050" dirty="0" smtClean="0">
+                    <a:latin typeface="Helvetica"/>
+                    <a:cs typeface="Helvetica"/>
+                  </a:rPr>
+                  <a:t>+</a:t>
+                </a:r>
+              </a:p>
+              <a:p>
+                <a:r>
+                  <a:rPr lang="en-US" sz="1050" dirty="0">
+                    <a:latin typeface="Helvetica"/>
+                    <a:cs typeface="Helvetica"/>
+                  </a:rPr>
+                  <a:t>+</a:t>
+                </a:r>
+                <a:endParaRPr lang="en-US" sz="1050" dirty="0" smtClean="0">
+                  <a:latin typeface="Helvetica"/>
+                  <a:cs typeface="Helvetica"/>
+                </a:endParaRPr>
+              </a:p>
+            </p:txBody>
+          </p:sp>
+          <p:sp>
+            <p:nvSpPr>
+              <p:cNvPr id="124" name="TextBox 123"/>
+              <p:cNvSpPr txBox="1"/>
+              <p:nvPr/>
+            </p:nvSpPr>
+            <p:spPr>
+              <a:xfrm>
+                <a:off x="5024375" y="3021477"/>
+                <a:ext cx="263301" cy="738664"/>
+              </a:xfrm>
+              <a:prstGeom prst="rect">
+                <a:avLst/>
+              </a:prstGeom>
+              <a:noFill/>
+            </p:spPr>
+            <p:txBody>
+              <a:bodyPr wrap="none" rtlCol="0">
+                <a:spAutoFit/>
+              </a:bodyPr>
+              <a:lstStyle/>
+              <a:p>
+                <a:r>
+                  <a:rPr lang="en-US" sz="1050" dirty="0">
+                    <a:latin typeface="Helvetica"/>
+                    <a:cs typeface="Helvetica"/>
+                  </a:rPr>
+                  <a:t>−</a:t>
+                </a:r>
+              </a:p>
+              <a:p>
+                <a:r>
+                  <a:rPr lang="en-US" sz="1050" dirty="0">
+                    <a:latin typeface="Helvetica"/>
+                    <a:cs typeface="Helvetica"/>
+                  </a:rPr>
+                  <a:t>−</a:t>
+                </a:r>
+              </a:p>
+              <a:p>
+                <a:r>
+                  <a:rPr lang="en-US" sz="1050" dirty="0">
+                    <a:latin typeface="Helvetica"/>
+                    <a:cs typeface="Helvetica"/>
+                  </a:rPr>
+                  <a:t>−</a:t>
+                </a:r>
+              </a:p>
+              <a:p>
+                <a:r>
+                  <a:rPr lang="en-US" sz="1050" dirty="0" smtClean="0">
+                    <a:latin typeface="Helvetica"/>
+                    <a:cs typeface="Helvetica"/>
+                  </a:rPr>
+                  <a:t>+</a:t>
+                </a:r>
+              </a:p>
+            </p:txBody>
+          </p:sp>
+          <p:sp>
+            <p:nvSpPr>
+              <p:cNvPr id="125" name="TextBox 124"/>
+              <p:cNvSpPr txBox="1"/>
+              <p:nvPr/>
+            </p:nvSpPr>
+            <p:spPr>
+              <a:xfrm>
+                <a:off x="5408108" y="3021477"/>
+                <a:ext cx="263301" cy="738664"/>
+              </a:xfrm>
+              <a:prstGeom prst="rect">
+                <a:avLst/>
+              </a:prstGeom>
+              <a:noFill/>
+            </p:spPr>
+            <p:txBody>
+              <a:bodyPr wrap="none" rtlCol="0">
+                <a:spAutoFit/>
+              </a:bodyPr>
+              <a:lstStyle/>
+              <a:p>
+                <a:r>
+                  <a:rPr lang="en-US" sz="1050" dirty="0">
+                    <a:latin typeface="Helvetica"/>
+                    <a:cs typeface="Helvetica"/>
+                  </a:rPr>
+                  <a:t>−</a:t>
+                </a:r>
+              </a:p>
+              <a:p>
+                <a:r>
+                  <a:rPr lang="en-US" sz="1050" dirty="0">
+                    <a:latin typeface="Helvetica"/>
+                    <a:cs typeface="Helvetica"/>
+                  </a:rPr>
+                  <a:t>−</a:t>
+                </a:r>
+              </a:p>
+              <a:p>
+                <a:r>
+                  <a:rPr lang="en-US" sz="1050" dirty="0">
+                    <a:latin typeface="Helvetica"/>
+                    <a:cs typeface="Helvetica"/>
+                  </a:rPr>
+                  <a:t>−</a:t>
+                </a:r>
+              </a:p>
+              <a:p>
+                <a:r>
+                  <a:rPr lang="en-US" sz="1050" dirty="0">
+                    <a:latin typeface="Helvetica"/>
+                    <a:cs typeface="Helvetica"/>
+                  </a:rPr>
+                  <a:t>−</a:t>
+                </a:r>
+              </a:p>
+            </p:txBody>
+          </p:sp>
+          <p:grpSp>
+            <p:nvGrpSpPr>
+              <p:cNvPr id="140" name="Group 139"/>
+              <p:cNvGrpSpPr/>
+              <p:nvPr/>
+            </p:nvGrpSpPr>
+            <p:grpSpPr>
+              <a:xfrm>
+                <a:off x="5705455" y="3031637"/>
+                <a:ext cx="1349535" cy="738664"/>
+                <a:chOff x="5705455" y="3021477"/>
+                <a:chExt cx="1349535" cy="738664"/>
+              </a:xfrm>
+            </p:grpSpPr>
+            <p:sp>
+              <p:nvSpPr>
+                <p:cNvPr id="113" name="TextBox 112"/>
+                <p:cNvSpPr txBox="1"/>
+                <p:nvPr/>
+              </p:nvSpPr>
+              <p:spPr>
+                <a:xfrm>
+                  <a:off x="6362063" y="3021477"/>
+                  <a:ext cx="692927" cy="738664"/>
+                </a:xfrm>
+                <a:prstGeom prst="rect">
+                  <a:avLst/>
+                </a:prstGeom>
+                <a:noFill/>
+              </p:spPr>
+              <p:txBody>
+                <a:bodyPr wrap="none" rtlCol="0">
+                  <a:spAutoFit/>
+                </a:bodyPr>
+                <a:lstStyle/>
+                <a:p>
+                  <a:r>
+                    <a:rPr lang="en-US" sz="1050" b="1" dirty="0" smtClean="0">
+                      <a:solidFill>
+                        <a:schemeClr val="tx2">
+                          <a:lumMod val="75000"/>
+                        </a:schemeClr>
+                      </a:solidFill>
+                      <a:latin typeface="Helvetica"/>
+                      <a:cs typeface="Helvetica"/>
+                    </a:rPr>
+                    <a:t>sin </a:t>
+                  </a:r>
+                  <a:r>
+                    <a:rPr lang="en-US" sz="1050" b="1" i="1" dirty="0" err="1">
+                      <a:solidFill>
+                        <a:schemeClr val="tx2">
+                          <a:lumMod val="75000"/>
+                        </a:schemeClr>
+                      </a:solidFill>
+                      <a:latin typeface="Helvetica"/>
+                      <a:cs typeface="Helvetica"/>
+                    </a:rPr>
+                    <a:t>ω</a:t>
+                  </a:r>
+                  <a:r>
+                    <a:rPr lang="en-US" sz="1050" b="1" i="1" dirty="0" err="1" smtClean="0">
+                      <a:solidFill>
+                        <a:schemeClr val="tx2">
+                          <a:lumMod val="75000"/>
+                        </a:schemeClr>
+                      </a:solidFill>
+                      <a:latin typeface="Helvetica"/>
+                      <a:cs typeface="Helvetica"/>
+                    </a:rPr>
+                    <a:t>x</a:t>
+                  </a:r>
+                  <a:endParaRPr lang="en-US" sz="1050" b="1" i="1" dirty="0" smtClean="0">
+                    <a:solidFill>
+                      <a:schemeClr val="tx2">
+                        <a:lumMod val="75000"/>
+                      </a:schemeClr>
+                    </a:solidFill>
+                    <a:latin typeface="Helvetica"/>
+                    <a:cs typeface="Helvetica"/>
+                  </a:endParaRPr>
+                </a:p>
+                <a:p>
+                  <a:r>
+                    <a:rPr lang="en-US" sz="1050" b="1" dirty="0" smtClean="0">
+                      <a:solidFill>
+                        <a:schemeClr val="accent3">
+                          <a:lumMod val="75000"/>
+                        </a:schemeClr>
+                      </a:solidFill>
+                      <a:latin typeface="Helvetica"/>
+                      <a:cs typeface="Helvetica"/>
+                    </a:rPr>
+                    <a:t>sin </a:t>
+                  </a:r>
+                  <a:r>
+                    <a:rPr lang="en-US" sz="1050" b="1" i="1" dirty="0" smtClean="0">
+                      <a:solidFill>
+                        <a:schemeClr val="accent3">
+                          <a:lumMod val="75000"/>
+                        </a:schemeClr>
+                      </a:solidFill>
+                      <a:latin typeface="Helvetica"/>
+                      <a:cs typeface="Helvetica"/>
+                    </a:rPr>
+                    <a:t>2</a:t>
+                  </a:r>
+                  <a:r>
+                    <a:rPr lang="en-US" sz="1050" b="1" i="1" dirty="0">
+                      <a:solidFill>
+                        <a:schemeClr val="accent3">
+                          <a:lumMod val="75000"/>
+                        </a:schemeClr>
+                      </a:solidFill>
+                      <a:latin typeface="Helvetica"/>
+                      <a:cs typeface="Helvetica"/>
+                    </a:rPr>
+                    <a:t>ω</a:t>
+                  </a:r>
+                  <a:r>
+                    <a:rPr lang="en-US" sz="1050" b="1" i="1" dirty="0" smtClean="0">
+                      <a:solidFill>
+                        <a:schemeClr val="accent3">
+                          <a:lumMod val="75000"/>
+                        </a:schemeClr>
+                      </a:solidFill>
+                      <a:latin typeface="Helvetica"/>
+                      <a:cs typeface="Helvetica"/>
+                    </a:rPr>
+                    <a:t>x</a:t>
+                  </a:r>
+                </a:p>
+                <a:p>
+                  <a:r>
+                    <a:rPr lang="en-US" sz="1050" b="1" dirty="0" smtClean="0">
+                      <a:solidFill>
+                        <a:schemeClr val="accent4">
+                          <a:lumMod val="75000"/>
+                        </a:schemeClr>
+                      </a:solidFill>
+                      <a:latin typeface="Helvetica"/>
+                      <a:cs typeface="Helvetica"/>
+                    </a:rPr>
+                    <a:t>sin </a:t>
+                  </a:r>
+                  <a:r>
+                    <a:rPr lang="en-US" sz="1050" b="1" i="1" dirty="0" smtClean="0">
+                      <a:solidFill>
+                        <a:schemeClr val="accent4">
+                          <a:lumMod val="75000"/>
+                        </a:schemeClr>
+                      </a:solidFill>
+                      <a:latin typeface="Helvetica"/>
+                      <a:cs typeface="Helvetica"/>
+                    </a:rPr>
+                    <a:t>3</a:t>
+                  </a:r>
+                  <a:r>
+                    <a:rPr lang="en-US" sz="1050" b="1" i="1" dirty="0">
+                      <a:solidFill>
+                        <a:schemeClr val="accent4">
+                          <a:lumMod val="75000"/>
+                        </a:schemeClr>
+                      </a:solidFill>
+                      <a:latin typeface="Helvetica"/>
+                      <a:cs typeface="Helvetica"/>
+                    </a:rPr>
+                    <a:t>ω</a:t>
+                  </a:r>
+                  <a:r>
+                    <a:rPr lang="en-US" sz="1050" b="1" i="1" dirty="0" smtClean="0">
+                      <a:solidFill>
+                        <a:schemeClr val="accent4">
+                          <a:lumMod val="75000"/>
+                        </a:schemeClr>
+                      </a:solidFill>
+                      <a:latin typeface="Helvetica"/>
+                      <a:cs typeface="Helvetica"/>
+                    </a:rPr>
+                    <a:t>x</a:t>
+                  </a:r>
+                </a:p>
+                <a:p>
+                  <a:r>
+                    <a:rPr lang="en-US" sz="1050" b="1" dirty="0" smtClean="0">
+                      <a:solidFill>
+                        <a:schemeClr val="accent2">
+                          <a:lumMod val="75000"/>
+                        </a:schemeClr>
+                      </a:solidFill>
+                      <a:latin typeface="Helvetica"/>
+                      <a:cs typeface="Helvetica"/>
+                    </a:rPr>
+                    <a:t>sin </a:t>
+                  </a:r>
+                  <a:r>
+                    <a:rPr lang="en-US" sz="1050" b="1" i="1" dirty="0" smtClean="0">
+                      <a:solidFill>
+                        <a:schemeClr val="accent2">
+                          <a:lumMod val="75000"/>
+                        </a:schemeClr>
+                      </a:solidFill>
+                      <a:latin typeface="Helvetica"/>
+                      <a:cs typeface="Helvetica"/>
+                    </a:rPr>
+                    <a:t>4ωx</a:t>
+                  </a:r>
+                  <a:endParaRPr lang="en-US" sz="1050" b="1" i="1" dirty="0">
+                    <a:solidFill>
+                      <a:schemeClr val="accent2">
+                        <a:lumMod val="75000"/>
+                      </a:schemeClr>
+                    </a:solidFill>
+                    <a:latin typeface="Helvetica"/>
+                    <a:cs typeface="Helvetica"/>
+                  </a:endParaRPr>
+                </a:p>
+              </p:txBody>
+            </p:sp>
+            <p:cxnSp>
+              <p:nvCxnSpPr>
+                <p:cNvPr id="131" name="Straight Connector 130"/>
+                <p:cNvCxnSpPr/>
+                <p:nvPr/>
+              </p:nvCxnSpPr>
+              <p:spPr>
+                <a:xfrm>
+                  <a:off x="6096000" y="3169920"/>
+                  <a:ext cx="266063" cy="0"/>
+                </a:xfrm>
+                <a:prstGeom prst="line">
+                  <a:avLst/>
+                </a:prstGeom>
+                <a:ln>
+                  <a:solidFill>
+                    <a:schemeClr val="tx2">
+                      <a:lumMod val="75000"/>
+                    </a:schemeClr>
+                  </a:solidFill>
+                </a:ln>
+                <a:effectLst/>
+              </p:spPr>
+              <p:style>
+                <a:lnRef idx="2">
+                  <a:schemeClr val="accent1"/>
+                </a:lnRef>
+                <a:fillRef idx="0">
+                  <a:schemeClr val="accent1"/>
+                </a:fillRef>
+                <a:effectRef idx="1">
+                  <a:schemeClr val="accent1"/>
+                </a:effectRef>
+                <a:fontRef idx="minor">
+                  <a:schemeClr val="tx1"/>
+                </a:fontRef>
+              </p:style>
+            </p:cxnSp>
+            <p:cxnSp>
+              <p:nvCxnSpPr>
+                <p:cNvPr id="133" name="Straight Connector 132"/>
+                <p:cNvCxnSpPr/>
+                <p:nvPr/>
+              </p:nvCxnSpPr>
+              <p:spPr>
+                <a:xfrm>
+                  <a:off x="6098969" y="3322320"/>
+                  <a:ext cx="266063" cy="0"/>
+                </a:xfrm>
+                <a:prstGeom prst="line">
+                  <a:avLst/>
+                </a:prstGeom>
+                <a:ln>
+                  <a:solidFill>
+                    <a:schemeClr val="accent3">
+                      <a:lumMod val="75000"/>
+                    </a:schemeClr>
+                  </a:solidFill>
+                </a:ln>
+                <a:effectLst/>
+              </p:spPr>
+              <p:style>
+                <a:lnRef idx="2">
+                  <a:schemeClr val="accent1"/>
+                </a:lnRef>
+                <a:fillRef idx="0">
+                  <a:schemeClr val="accent1"/>
+                </a:fillRef>
+                <a:effectRef idx="1">
+                  <a:schemeClr val="accent1"/>
+                </a:effectRef>
+                <a:fontRef idx="minor">
+                  <a:schemeClr val="tx1"/>
+                </a:fontRef>
+              </p:style>
+            </p:cxnSp>
+            <p:cxnSp>
+              <p:nvCxnSpPr>
+                <p:cNvPr id="134" name="Straight Connector 133"/>
+                <p:cNvCxnSpPr/>
+                <p:nvPr/>
+              </p:nvCxnSpPr>
+              <p:spPr>
+                <a:xfrm>
+                  <a:off x="6098969" y="3474720"/>
+                  <a:ext cx="266063" cy="0"/>
+                </a:xfrm>
+                <a:prstGeom prst="line">
+                  <a:avLst/>
+                </a:prstGeom>
+                <a:ln>
+                  <a:solidFill>
+                    <a:schemeClr val="accent4">
+                      <a:lumMod val="75000"/>
+                    </a:schemeClr>
+                  </a:solidFill>
+                </a:ln>
+                <a:effectLst/>
+              </p:spPr>
+              <p:style>
+                <a:lnRef idx="2">
+                  <a:schemeClr val="accent1"/>
+                </a:lnRef>
+                <a:fillRef idx="0">
+                  <a:schemeClr val="accent1"/>
+                </a:fillRef>
+                <a:effectRef idx="1">
+                  <a:schemeClr val="accent1"/>
+                </a:effectRef>
+                <a:fontRef idx="minor">
+                  <a:schemeClr val="tx1"/>
+                </a:fontRef>
+              </p:style>
+            </p:cxnSp>
+            <p:cxnSp>
+              <p:nvCxnSpPr>
+                <p:cNvPr id="135" name="Straight Connector 134"/>
+                <p:cNvCxnSpPr/>
+                <p:nvPr/>
+              </p:nvCxnSpPr>
+              <p:spPr>
+                <a:xfrm>
+                  <a:off x="6096000" y="3627120"/>
+                  <a:ext cx="266063" cy="0"/>
+                </a:xfrm>
+                <a:prstGeom prst="line">
+                  <a:avLst/>
+                </a:prstGeom>
+                <a:ln>
+                  <a:solidFill>
+                    <a:schemeClr val="accent2">
+                      <a:lumMod val="75000"/>
+                    </a:schemeClr>
+                  </a:solidFill>
+                </a:ln>
+                <a:effectLst/>
+              </p:spPr>
+              <p:style>
+                <a:lnRef idx="2">
+                  <a:schemeClr val="accent1"/>
+                </a:lnRef>
+                <a:fillRef idx="0">
+                  <a:schemeClr val="accent1"/>
+                </a:fillRef>
+                <a:effectRef idx="1">
+                  <a:schemeClr val="accent1"/>
+                </a:effectRef>
+                <a:fontRef idx="minor">
+                  <a:schemeClr val="tx1"/>
+                </a:fontRef>
+              </p:style>
+            </p:cxnSp>
+            <p:cxnSp>
+              <p:nvCxnSpPr>
+                <p:cNvPr id="136" name="Straight Connector 135"/>
+                <p:cNvCxnSpPr/>
+                <p:nvPr/>
+              </p:nvCxnSpPr>
+              <p:spPr>
+                <a:xfrm>
+                  <a:off x="5705455" y="3169920"/>
+                  <a:ext cx="266063" cy="0"/>
+                </a:xfrm>
+                <a:prstGeom prst="line">
+                  <a:avLst/>
+                </a:prstGeom>
+                <a:ln w="9525" cmpd="sng">
+                  <a:solidFill>
+                    <a:schemeClr val="tx1"/>
+                  </a:solidFill>
+                  <a:headEnd type="triangle"/>
+                  <a:tailEnd type="none"/>
+                </a:ln>
+                <a:effectLst/>
+              </p:spPr>
+              <p:style>
+                <a:lnRef idx="2">
+                  <a:schemeClr val="accent1"/>
+                </a:lnRef>
+                <a:fillRef idx="0">
+                  <a:schemeClr val="accent1"/>
+                </a:fillRef>
+                <a:effectRef idx="1">
+                  <a:schemeClr val="accent1"/>
+                </a:effectRef>
+                <a:fontRef idx="minor">
+                  <a:schemeClr val="tx1"/>
+                </a:fontRef>
+              </p:style>
+            </p:cxnSp>
+            <p:cxnSp>
+              <p:nvCxnSpPr>
+                <p:cNvPr id="137" name="Straight Connector 136"/>
+                <p:cNvCxnSpPr/>
+                <p:nvPr/>
+              </p:nvCxnSpPr>
+              <p:spPr>
+                <a:xfrm>
+                  <a:off x="5705455" y="3322320"/>
+                  <a:ext cx="266063" cy="0"/>
+                </a:xfrm>
+                <a:prstGeom prst="line">
+                  <a:avLst/>
+                </a:prstGeom>
+                <a:ln w="9525" cmpd="sng">
+                  <a:solidFill>
+                    <a:schemeClr val="tx1"/>
+                  </a:solidFill>
+                  <a:headEnd type="triangle"/>
+                  <a:tailEnd type="none"/>
+                </a:ln>
+                <a:effectLst/>
+              </p:spPr>
+              <p:style>
+                <a:lnRef idx="2">
+                  <a:schemeClr val="accent1"/>
+                </a:lnRef>
+                <a:fillRef idx="0">
+                  <a:schemeClr val="accent1"/>
+                </a:fillRef>
+                <a:effectRef idx="1">
+                  <a:schemeClr val="accent1"/>
+                </a:effectRef>
+                <a:fontRef idx="minor">
+                  <a:schemeClr val="tx1"/>
+                </a:fontRef>
+              </p:style>
+            </p:cxnSp>
+            <p:cxnSp>
+              <p:nvCxnSpPr>
+                <p:cNvPr id="138" name="Straight Connector 137"/>
+                <p:cNvCxnSpPr/>
+                <p:nvPr/>
+              </p:nvCxnSpPr>
+              <p:spPr>
+                <a:xfrm>
+                  <a:off x="5705455" y="3474720"/>
+                  <a:ext cx="266063" cy="0"/>
+                </a:xfrm>
+                <a:prstGeom prst="line">
+                  <a:avLst/>
+                </a:prstGeom>
+                <a:ln w="9525" cmpd="sng">
+                  <a:solidFill>
+                    <a:schemeClr val="tx1"/>
+                  </a:solidFill>
+                  <a:headEnd type="triangle"/>
+                  <a:tailEnd type="none"/>
+                </a:ln>
+                <a:effectLst/>
+              </p:spPr>
+              <p:style>
+                <a:lnRef idx="2">
+                  <a:schemeClr val="accent1"/>
+                </a:lnRef>
+                <a:fillRef idx="0">
+                  <a:schemeClr val="accent1"/>
+                </a:fillRef>
+                <a:effectRef idx="1">
+                  <a:schemeClr val="accent1"/>
+                </a:effectRef>
+                <a:fontRef idx="minor">
+                  <a:schemeClr val="tx1"/>
+                </a:fontRef>
+              </p:style>
+            </p:cxnSp>
+            <p:cxnSp>
+              <p:nvCxnSpPr>
+                <p:cNvPr id="139" name="Straight Connector 138"/>
+                <p:cNvCxnSpPr/>
+                <p:nvPr/>
+              </p:nvCxnSpPr>
+              <p:spPr>
+                <a:xfrm>
+                  <a:off x="5711150" y="3627120"/>
+                  <a:ext cx="266063" cy="0"/>
+                </a:xfrm>
+                <a:prstGeom prst="line">
+                  <a:avLst/>
+                </a:prstGeom>
+                <a:ln w="9525" cmpd="sng">
+                  <a:solidFill>
+                    <a:schemeClr val="tx1"/>
+                  </a:solidFill>
+                  <a:headEnd type="triangle"/>
+                  <a:tailEnd type="none"/>
+                </a:ln>
+                <a:effectLst/>
+              </p:spPr>
+              <p:style>
+                <a:lnRef idx="2">
+                  <a:schemeClr val="accent1"/>
+                </a:lnRef>
+                <a:fillRef idx="0">
+                  <a:schemeClr val="accent1"/>
+                </a:fillRef>
+                <a:effectRef idx="1">
+                  <a:schemeClr val="accent1"/>
+                </a:effectRef>
+                <a:fontRef idx="minor">
+                  <a:schemeClr val="tx1"/>
+                </a:fontRef>
+              </p:style>
+            </p:cxnSp>
+          </p:grpSp>
+        </p:grpSp>
+        <p:sp>
+          <p:nvSpPr>
+            <p:cNvPr id="142" name="TextBox 141"/>
+            <p:cNvSpPr txBox="1"/>
+            <p:nvPr/>
+          </p:nvSpPr>
+          <p:spPr>
+            <a:xfrm>
+              <a:off x="1375245" y="2774958"/>
+              <a:ext cx="2939176" cy="276999"/>
+            </a:xfrm>
+            <a:prstGeom prst="rect">
+              <a:avLst/>
+            </a:prstGeom>
+            <a:noFill/>
+          </p:spPr>
+          <p:txBody>
+            <a:bodyPr wrap="none" rtlCol="0">
+              <a:spAutoFit/>
+            </a:bodyPr>
+            <a:lstStyle/>
+            <a:p>
+              <a:r>
+                <a:rPr lang="en-US" sz="1200" dirty="0" smtClean="0">
+                  <a:latin typeface="Helvetica"/>
+                  <a:cs typeface="Helvetica"/>
+                </a:rPr>
+                <a:t>Point values (sign) that can be shattered</a:t>
+              </a:r>
+              <a:endParaRPr lang="en-US" sz="1200" dirty="0">
+                <a:latin typeface="Helvetica"/>
+                <a:cs typeface="Helvetica"/>
+              </a:endParaRPr>
+            </a:p>
+          </p:txBody>
+        </p:sp>
+        <p:sp>
+          <p:nvSpPr>
+            <p:cNvPr id="143" name="TextBox 142"/>
+            <p:cNvSpPr txBox="1"/>
+            <p:nvPr/>
+          </p:nvSpPr>
+          <p:spPr>
+            <a:xfrm>
+              <a:off x="8127246" y="4565579"/>
+              <a:ext cx="261610" cy="276999"/>
+            </a:xfrm>
+            <a:prstGeom prst="rect">
+              <a:avLst/>
+            </a:prstGeom>
+            <a:noFill/>
+          </p:spPr>
+          <p:txBody>
+            <a:bodyPr wrap="none" rtlCol="0">
+              <a:spAutoFit/>
+            </a:bodyPr>
+            <a:lstStyle/>
+            <a:p>
+              <a:r>
+                <a:rPr lang="en-US" sz="1200" dirty="0" smtClean="0">
+                  <a:latin typeface="Helvetica"/>
+                  <a:cs typeface="Helvetica"/>
+                </a:rPr>
+                <a:t>x</a:t>
+              </a:r>
+              <a:endParaRPr lang="en-US" sz="1200" dirty="0">
+                <a:latin typeface="Helvetica"/>
+                <a:cs typeface="Helvetica"/>
+              </a:endParaRPr>
+            </a:p>
+          </p:txBody>
+        </p:sp>
+        <p:sp>
+          <p:nvSpPr>
+            <p:cNvPr id="144" name="TextBox 143"/>
+            <p:cNvSpPr txBox="1"/>
+            <p:nvPr/>
+          </p:nvSpPr>
+          <p:spPr>
+            <a:xfrm>
+              <a:off x="1043446" y="3673545"/>
+              <a:ext cx="415029" cy="276999"/>
+            </a:xfrm>
+            <a:prstGeom prst="rect">
+              <a:avLst/>
+            </a:prstGeom>
+            <a:noFill/>
+          </p:spPr>
+          <p:txBody>
+            <a:bodyPr wrap="none" rtlCol="0">
+              <a:spAutoFit/>
+            </a:bodyPr>
+            <a:lstStyle/>
+            <a:p>
+              <a:r>
+                <a:rPr lang="en-US" sz="1200" i="1" dirty="0" smtClean="0">
+                  <a:latin typeface="Helvetica"/>
+                  <a:cs typeface="Helvetica"/>
+                </a:rPr>
+                <a:t>f</a:t>
+              </a:r>
+              <a:r>
+                <a:rPr lang="en-US" sz="1200" dirty="0" smtClean="0">
+                  <a:latin typeface="Helvetica"/>
+                  <a:cs typeface="Helvetica"/>
+                </a:rPr>
+                <a:t>(</a:t>
+              </a:r>
+              <a:r>
+                <a:rPr lang="en-US" sz="1200" i="1" dirty="0" smtClean="0">
+                  <a:latin typeface="Helvetica"/>
+                  <a:cs typeface="Helvetica"/>
+                </a:rPr>
+                <a:t>x</a:t>
+              </a:r>
+              <a:r>
+                <a:rPr lang="en-US" sz="1200" dirty="0" smtClean="0">
+                  <a:latin typeface="Helvetica"/>
+                  <a:cs typeface="Helvetica"/>
+                </a:rPr>
+                <a:t>)</a:t>
+              </a:r>
+              <a:endParaRPr lang="en-US" sz="1200" dirty="0">
+                <a:latin typeface="Helvetica"/>
+                <a:cs typeface="Helvetica"/>
+              </a:endParaRPr>
+            </a:p>
+          </p:txBody>
+        </p:sp>
+        <p:sp>
+          <p:nvSpPr>
+            <p:cNvPr id="145" name="TextBox 144"/>
+            <p:cNvSpPr txBox="1"/>
+            <p:nvPr/>
+          </p:nvSpPr>
+          <p:spPr>
+            <a:xfrm>
+              <a:off x="6407367" y="2832175"/>
+              <a:ext cx="415029" cy="276999"/>
+            </a:xfrm>
+            <a:prstGeom prst="rect">
+              <a:avLst/>
+            </a:prstGeom>
+            <a:noFill/>
+          </p:spPr>
+          <p:txBody>
+            <a:bodyPr wrap="none" rtlCol="0">
+              <a:spAutoFit/>
+            </a:bodyPr>
+            <a:lstStyle/>
+            <a:p>
+              <a:r>
+                <a:rPr lang="en-US" sz="1200" i="1" dirty="0" smtClean="0">
+                  <a:latin typeface="Helvetica"/>
+                  <a:cs typeface="Helvetica"/>
+                </a:rPr>
+                <a:t>f</a:t>
+              </a:r>
+              <a:r>
+                <a:rPr lang="en-US" sz="1200" dirty="0" smtClean="0">
+                  <a:latin typeface="Helvetica"/>
+                  <a:cs typeface="Helvetica"/>
+                </a:rPr>
+                <a:t>(</a:t>
+              </a:r>
+              <a:r>
+                <a:rPr lang="en-US" sz="1200" i="1" dirty="0" smtClean="0">
+                  <a:latin typeface="Helvetica"/>
+                  <a:cs typeface="Helvetica"/>
+                </a:rPr>
+                <a:t>x</a:t>
+              </a:r>
+              <a:r>
+                <a:rPr lang="en-US" sz="1200" dirty="0" smtClean="0">
+                  <a:latin typeface="Helvetica"/>
+                  <a:cs typeface="Helvetica"/>
+                </a:rPr>
+                <a:t>)</a:t>
+              </a:r>
+              <a:endParaRPr lang="en-US" sz="1200" dirty="0">
+                <a:latin typeface="Helvetica"/>
+                <a:cs typeface="Helvetica"/>
+              </a:endParaRPr>
+            </a:p>
+          </p:txBody>
+        </p:sp>
+      </p:grpSp>
+      <p:sp>
+        <p:nvSpPr>
+          <p:cNvPr id="147" name="TextBox 146"/>
+          <p:cNvSpPr txBox="1"/>
+          <p:nvPr/>
+        </p:nvSpPr>
+        <p:spPr>
+          <a:xfrm>
+            <a:off x="875246" y="5412875"/>
+            <a:ext cx="7413622" cy="1323439"/>
+          </a:xfrm>
+          <a:prstGeom prst="rect">
+            <a:avLst/>
+          </a:prstGeom>
+          <a:noFill/>
+        </p:spPr>
+        <p:txBody>
+          <a:bodyPr wrap="square" rtlCol="0">
+            <a:spAutoFit/>
+          </a:bodyPr>
+          <a:lstStyle/>
+          <a:p>
+            <a:r>
+              <a:rPr lang="en-US" sz="1600" dirty="0" smtClean="0"/>
+              <a:t>figure 3. Point values (signs) that can be shattered by sin(x), </a:t>
+            </a:r>
+            <a:r>
+              <a:rPr lang="en-US" sz="1600" dirty="0"/>
+              <a:t>sin</a:t>
+            </a:r>
+            <a:r>
+              <a:rPr lang="en-US" sz="1600" dirty="0" smtClean="0"/>
+              <a:t>(2x), </a:t>
+            </a:r>
+            <a:r>
+              <a:rPr lang="en-US" sz="1600" dirty="0"/>
+              <a:t>sin</a:t>
+            </a:r>
+            <a:r>
+              <a:rPr lang="en-US" sz="1600" dirty="0" smtClean="0"/>
+              <a:t>(3x), and </a:t>
+            </a:r>
+            <a:r>
+              <a:rPr lang="en-US" sz="1600" dirty="0"/>
+              <a:t>sin</a:t>
+            </a:r>
+            <a:r>
+              <a:rPr lang="en-US" sz="1600" dirty="0" smtClean="0"/>
+              <a:t>(4x). The maximum number of possible combinations of signs of four points is 2</a:t>
+            </a:r>
+            <a:r>
+              <a:rPr lang="en-US" sz="1600" baseline="30000" dirty="0" smtClean="0"/>
+              <a:t>4</a:t>
+            </a:r>
+            <a:r>
+              <a:rPr lang="en-US" sz="1600" dirty="0" smtClean="0"/>
+              <a:t> = 16, and the number of cases that can be shattered by these four sine functions are 12. Therefore, there are four combinations that cannot be shattered by the four sine functions. </a:t>
+            </a:r>
+            <a:endParaRPr lang="en-US" sz="1600" baseline="30000" dirty="0"/>
+          </a:p>
+        </p:txBody>
+      </p:sp>
+    </p:spTree>
+    <p:extLst>
+      <p:ext uri="{BB962C8B-B14F-4D97-AF65-F5344CB8AC3E}">
+        <p14:creationId xmlns:p14="http://schemas.microsoft.com/office/powerpoint/2010/main" val="3646947640"/>
+      </p:ext>
+    </p:extLst>
+  </p:cSld>
+  <p:clrMapOvr>
+    <a:masterClrMapping/>
+  </p:clrMapOvr>
+</p:sld>
+</file>
+
+<file path=ppt/slides/slide4.xml><?xml version="1.0" encoding="utf-8"?>
+<p:sld xmlns:a="http://schemas.openxmlformats.org/drawingml/2006/main" xmlns:r="http://schemas.openxmlformats.org/officeDocument/2006/relationships" xmlns:p="http://schemas.openxmlformats.org/presentationml/2006/main">
+  <p:cSld>
+    <p:spTree>
+      <p:nvGrpSpPr>
+        <p:cNvPr id="1" name=""/>
+        <p:cNvGrpSpPr/>
+        <p:nvPr/>
+      </p:nvGrpSpPr>
+      <p:grpSpPr>
+        <a:xfrm>
+          <a:off x="0" y="0"/>
+          <a:ext cx="0" cy="0"/>
+          <a:chOff x="0" y="0"/>
+          <a:chExt cx="0" cy="0"/>
+        </a:xfrm>
+      </p:grpSpPr>
+      <p:pic>
+        <p:nvPicPr>
+          <p:cNvPr id="6" name="Picture 5"/>
+          <p:cNvPicPr>
+            <a:picLocks noChangeAspect="1"/>
+          </p:cNvPicPr>
+          <p:nvPr/>
+        </p:nvPicPr>
+        <p:blipFill>
+          <a:blip r:embed="rId2"/>
+          <a:stretch>
+            <a:fillRect/>
+          </a:stretch>
+        </p:blipFill>
+        <p:spPr>
+          <a:xfrm>
+            <a:off x="787399" y="1174750"/>
+            <a:ext cx="1791277" cy="368300"/>
+          </a:xfrm>
+          <a:prstGeom prst="rect">
+            <a:avLst/>
+          </a:prstGeom>
+        </p:spPr>
+      </p:pic>
+      <p:pic>
+        <p:nvPicPr>
+          <p:cNvPr id="7" name="Picture 6"/>
+          <p:cNvPicPr>
+            <a:picLocks noChangeAspect="1"/>
+          </p:cNvPicPr>
+          <p:nvPr/>
+        </p:nvPicPr>
+        <p:blipFill>
+          <a:blip r:embed="rId3"/>
+          <a:stretch>
+            <a:fillRect/>
+          </a:stretch>
+        </p:blipFill>
+        <p:spPr>
+          <a:xfrm>
+            <a:off x="-660401" y="3378200"/>
+            <a:ext cx="3767548" cy="2527300"/>
+          </a:xfrm>
+          <a:prstGeom prst="rect">
+            <a:avLst/>
+          </a:prstGeom>
+        </p:spPr>
+      </p:pic>
+      <p:pic>
+        <p:nvPicPr>
+          <p:cNvPr id="8" name="Picture 7"/>
+          <p:cNvPicPr>
+            <a:picLocks noChangeAspect="1"/>
+          </p:cNvPicPr>
+          <p:nvPr/>
+        </p:nvPicPr>
+        <p:blipFill>
+          <a:blip r:embed="rId4"/>
+          <a:stretch>
+            <a:fillRect/>
+          </a:stretch>
+        </p:blipFill>
+        <p:spPr>
+          <a:xfrm>
+            <a:off x="3937000" y="1651000"/>
+            <a:ext cx="4351184" cy="3136900"/>
+          </a:xfrm>
+          <a:prstGeom prst="rect">
+            <a:avLst/>
+          </a:prstGeom>
+        </p:spPr>
+      </p:pic>
+    </p:spTree>
+    <p:extLst>
+      <p:ext uri="{BB962C8B-B14F-4D97-AF65-F5344CB8AC3E}">
+        <p14:creationId xmlns:p14="http://schemas.microsoft.com/office/powerpoint/2010/main" val="876843039"/>
+      </p:ext>
+    </p:extLst>
+  </p:cSld>
+  <p:clrMapOvr>
+    <a:masterClrMapping/>
+  </p:clrMapOvr>
+</p:sld>
+</file>
+
 <file path=ppt/theme/theme1.xml><?xml version="1.0" encoding="utf-8"?>
 <a:theme xmlns:a="http://schemas.openxmlformats.org/drawingml/2006/main" name="Office Theme">
   <a:themeElements>
